--- a/static/files/microbit/05-Music.pptx
+++ b/static/files/microbit/05-Music.pptx
@@ -5,18 +5,17 @@
     <p:sldMasterId id="2147483656" r:id="rId1"/>
   </p:sldMasterIdLst>
   <p:notesMasterIdLst>
-    <p:notesMasterId r:id="rId11"/>
+    <p:notesMasterId r:id="rId10"/>
   </p:notesMasterIdLst>
   <p:sldIdLst>
     <p:sldId id="256" r:id="rId2"/>
-    <p:sldId id="366" r:id="rId3"/>
-    <p:sldId id="370" r:id="rId4"/>
-    <p:sldId id="369" r:id="rId5"/>
-    <p:sldId id="376" r:id="rId6"/>
-    <p:sldId id="377" r:id="rId7"/>
-    <p:sldId id="378" r:id="rId8"/>
-    <p:sldId id="379" r:id="rId9"/>
-    <p:sldId id="380" r:id="rId10"/>
+    <p:sldId id="370" r:id="rId3"/>
+    <p:sldId id="369" r:id="rId4"/>
+    <p:sldId id="376" r:id="rId5"/>
+    <p:sldId id="377" r:id="rId6"/>
+    <p:sldId id="378" r:id="rId7"/>
+    <p:sldId id="379" r:id="rId8"/>
+    <p:sldId id="380" r:id="rId9"/>
   </p:sldIdLst>
   <p:sldSz cx="9144000" cy="6858000" type="screen4x3"/>
   <p:notesSz cx="6858000" cy="9144000"/>
@@ -699,7 +698,7 @@
     </p:spTree>
     <p:extLst>
       <p:ext uri="{BB962C8B-B14F-4D97-AF65-F5344CB8AC3E}">
-        <p14:creationId xmlns:p14="http://schemas.microsoft.com/office/powerpoint/2010/main" val="2381278106"/>
+        <p14:creationId xmlns:p14="http://schemas.microsoft.com/office/powerpoint/2010/main" val="2773838599"/>
       </p:ext>
     </p:extLst>
   </p:cSld>
@@ -710,6 +709,112 @@
 </file>
 
 <file path=ppt/notesSlides/notesSlide3.xml><?xml version="1.0" encoding="utf-8"?>
+<p:notes xmlns:a="http://schemas.openxmlformats.org/drawingml/2006/main" xmlns:r="http://schemas.openxmlformats.org/officeDocument/2006/relationships" xmlns:p="http://schemas.openxmlformats.org/presentationml/2006/main" showMasterSp="0" showMasterPhAnim="0">
+  <p:cSld>
+    <p:spTree>
+      <p:nvGrpSpPr>
+        <p:cNvPr id="1" name="Shape 202"/>
+        <p:cNvGrpSpPr/>
+        <p:nvPr/>
+      </p:nvGrpSpPr>
+      <p:grpSpPr>
+        <a:xfrm>
+          <a:off x="0" y="0"/>
+          <a:ext cx="0" cy="0"/>
+          <a:chOff x="0" y="0"/>
+          <a:chExt cx="0" cy="0"/>
+        </a:xfrm>
+      </p:grpSpPr>
+      <p:sp>
+        <p:nvSpPr>
+          <p:cNvPr id="203" name="Shape 203"/>
+          <p:cNvSpPr>
+            <a:spLocks noGrp="1" noRot="1" noChangeAspect="1"/>
+          </p:cNvSpPr>
+          <p:nvPr>
+            <p:ph type="sldImg" idx="2"/>
+          </p:nvPr>
+        </p:nvSpPr>
+        <p:spPr>
+          <a:xfrm>
+            <a:off x="1143000" y="685800"/>
+            <a:ext cx="4572000" cy="3429000"/>
+          </a:xfrm>
+          <a:custGeom>
+            <a:avLst/>
+            <a:gdLst/>
+            <a:ahLst/>
+            <a:cxnLst/>
+            <a:rect l="0" t="0" r="0" b="0"/>
+            <a:pathLst>
+              <a:path w="120000" h="120000" extrusionOk="0">
+                <a:moveTo>
+                  <a:pt x="0" y="0"/>
+                </a:moveTo>
+                <a:lnTo>
+                  <a:pt x="120000" y="0"/>
+                </a:lnTo>
+                <a:lnTo>
+                  <a:pt x="120000" y="120000"/>
+                </a:lnTo>
+                <a:lnTo>
+                  <a:pt x="0" y="120000"/>
+                </a:lnTo>
+                <a:close/>
+              </a:path>
+            </a:pathLst>
+          </a:custGeom>
+        </p:spPr>
+      </p:sp>
+      <p:sp>
+        <p:nvSpPr>
+          <p:cNvPr id="204" name="Shape 204"/>
+          <p:cNvSpPr txBox="1">
+            <a:spLocks noGrp="1"/>
+          </p:cNvSpPr>
+          <p:nvPr>
+            <p:ph type="body" idx="1"/>
+          </p:nvPr>
+        </p:nvSpPr>
+        <p:spPr>
+          <a:xfrm>
+            <a:off x="685800" y="4343400"/>
+            <a:ext cx="5486399" cy="4114800"/>
+          </a:xfrm>
+          <a:prstGeom prst="rect">
+            <a:avLst/>
+          </a:prstGeom>
+        </p:spPr>
+        <p:txBody>
+          <a:bodyPr lIns="91425" tIns="91425" rIns="91425" bIns="91425" anchor="t" anchorCtr="0">
+            <a:noAutofit/>
+          </a:bodyPr>
+          <a:lstStyle/>
+          <a:p>
+            <a:pPr lvl="0" rtl="0">
+              <a:spcBef>
+                <a:spcPts val="0"/>
+              </a:spcBef>
+              <a:buNone/>
+            </a:pPr>
+            <a:endParaRPr/>
+          </a:p>
+        </p:txBody>
+      </p:sp>
+    </p:spTree>
+    <p:extLst>
+      <p:ext uri="{BB962C8B-B14F-4D97-AF65-F5344CB8AC3E}">
+        <p14:creationId xmlns:p14="http://schemas.microsoft.com/office/powerpoint/2010/main" val="3764991639"/>
+      </p:ext>
+    </p:extLst>
+  </p:cSld>
+  <p:clrMapOvr>
+    <a:masterClrMapping/>
+  </p:clrMapOvr>
+</p:notes>
+</file>
+
+<file path=ppt/notesSlides/notesSlide4.xml><?xml version="1.0" encoding="utf-8"?>
 <p:notes xmlns:a="http://schemas.openxmlformats.org/drawingml/2006/main" xmlns:r="http://schemas.openxmlformats.org/officeDocument/2006/relationships" xmlns:p="http://schemas.openxmlformats.org/presentationml/2006/main" showMasterSp="0" showMasterPhAnim="0">
   <p:cSld>
     <p:spTree>
@@ -805,7 +910,7 @@
     </p:spTree>
     <p:extLst>
       <p:ext uri="{BB962C8B-B14F-4D97-AF65-F5344CB8AC3E}">
-        <p14:creationId xmlns:p14="http://schemas.microsoft.com/office/powerpoint/2010/main" val="2773838599"/>
+        <p14:creationId xmlns:p14="http://schemas.microsoft.com/office/powerpoint/2010/main" val="2811257156"/>
       </p:ext>
     </p:extLst>
   </p:cSld>
@@ -815,7 +920,7 @@
 </p:notes>
 </file>
 
-<file path=ppt/notesSlides/notesSlide4.xml><?xml version="1.0" encoding="utf-8"?>
+<file path=ppt/notesSlides/notesSlide5.xml><?xml version="1.0" encoding="utf-8"?>
 <p:notes xmlns:a="http://schemas.openxmlformats.org/drawingml/2006/main" xmlns:r="http://schemas.openxmlformats.org/officeDocument/2006/relationships" xmlns:p="http://schemas.openxmlformats.org/presentationml/2006/main" showMasterSp="0" showMasterPhAnim="0">
   <p:cSld>
     <p:spTree>
@@ -911,113 +1016,7 @@
     </p:spTree>
     <p:extLst>
       <p:ext uri="{BB962C8B-B14F-4D97-AF65-F5344CB8AC3E}">
-        <p14:creationId xmlns:p14="http://schemas.microsoft.com/office/powerpoint/2010/main" val="3764991639"/>
-      </p:ext>
-    </p:extLst>
-  </p:cSld>
-  <p:clrMapOvr>
-    <a:masterClrMapping/>
-  </p:clrMapOvr>
-</p:notes>
-</file>
-
-<file path=ppt/notesSlides/notesSlide5.xml><?xml version="1.0" encoding="utf-8"?>
-<p:notes xmlns:a="http://schemas.openxmlformats.org/drawingml/2006/main" xmlns:r="http://schemas.openxmlformats.org/officeDocument/2006/relationships" xmlns:p="http://schemas.openxmlformats.org/presentationml/2006/main" showMasterSp="0" showMasterPhAnim="0">
-  <p:cSld>
-    <p:spTree>
-      <p:nvGrpSpPr>
-        <p:cNvPr id="1" name="Shape 90"/>
-        <p:cNvGrpSpPr/>
-        <p:nvPr/>
-      </p:nvGrpSpPr>
-      <p:grpSpPr>
-        <a:xfrm>
-          <a:off x="0" y="0"/>
-          <a:ext cx="0" cy="0"/>
-          <a:chOff x="0" y="0"/>
-          <a:chExt cx="0" cy="0"/>
-        </a:xfrm>
-      </p:grpSpPr>
-      <p:sp>
-        <p:nvSpPr>
-          <p:cNvPr id="91" name="Shape 91"/>
-          <p:cNvSpPr>
-            <a:spLocks noGrp="1" noRot="1" noChangeAspect="1"/>
-          </p:cNvSpPr>
-          <p:nvPr>
-            <p:ph type="sldImg" idx="2"/>
-          </p:nvPr>
-        </p:nvSpPr>
-        <p:spPr>
-          <a:xfrm>
-            <a:off x="1143000" y="685800"/>
-            <a:ext cx="4572000" cy="3429000"/>
-          </a:xfrm>
-          <a:custGeom>
-            <a:avLst/>
-            <a:gdLst/>
-            <a:ahLst/>
-            <a:cxnLst/>
-            <a:rect l="0" t="0" r="0" b="0"/>
-            <a:pathLst>
-              <a:path w="120000" h="120000" extrusionOk="0">
-                <a:moveTo>
-                  <a:pt x="0" y="0"/>
-                </a:moveTo>
-                <a:lnTo>
-                  <a:pt x="120000" y="0"/>
-                </a:lnTo>
-                <a:lnTo>
-                  <a:pt x="120000" y="120000"/>
-                </a:lnTo>
-                <a:lnTo>
-                  <a:pt x="0" y="120000"/>
-                </a:lnTo>
-                <a:close/>
-              </a:path>
-            </a:pathLst>
-          </a:custGeom>
-        </p:spPr>
-      </p:sp>
-      <p:sp>
-        <p:nvSpPr>
-          <p:cNvPr id="92" name="Shape 92"/>
-          <p:cNvSpPr txBox="1">
-            <a:spLocks noGrp="1"/>
-          </p:cNvSpPr>
-          <p:nvPr>
-            <p:ph type="body" idx="1"/>
-          </p:nvPr>
-        </p:nvSpPr>
-        <p:spPr>
-          <a:xfrm>
-            <a:off x="685800" y="4343400"/>
-            <a:ext cx="5486399" cy="4114800"/>
-          </a:xfrm>
-          <a:prstGeom prst="rect">
-            <a:avLst/>
-          </a:prstGeom>
-        </p:spPr>
-        <p:txBody>
-          <a:bodyPr lIns="91425" tIns="91425" rIns="91425" bIns="91425" anchor="t" anchorCtr="0">
-            <a:noAutofit/>
-          </a:bodyPr>
-          <a:lstStyle/>
-          <a:p>
-            <a:pPr lvl="0">
-              <a:spcBef>
-                <a:spcPts val="0"/>
-              </a:spcBef>
-              <a:buNone/>
-            </a:pPr>
-            <a:endParaRPr/>
-          </a:p>
-        </p:txBody>
-      </p:sp>
-    </p:spTree>
-    <p:extLst>
-      <p:ext uri="{BB962C8B-B14F-4D97-AF65-F5344CB8AC3E}">
-        <p14:creationId xmlns:p14="http://schemas.microsoft.com/office/powerpoint/2010/main" val="2811257156"/>
+        <p14:creationId xmlns:p14="http://schemas.microsoft.com/office/powerpoint/2010/main" val="646522327"/>
       </p:ext>
     </p:extLst>
   </p:cSld>
@@ -1123,7 +1122,7 @@
     </p:spTree>
     <p:extLst>
       <p:ext uri="{BB962C8B-B14F-4D97-AF65-F5344CB8AC3E}">
-        <p14:creationId xmlns:p14="http://schemas.microsoft.com/office/powerpoint/2010/main" val="646522327"/>
+        <p14:creationId xmlns:p14="http://schemas.microsoft.com/office/powerpoint/2010/main" val="693445956"/>
       </p:ext>
     </p:extLst>
   </p:cSld>
@@ -1134,112 +1133,6 @@
 </file>
 
 <file path=ppt/notesSlides/notesSlide7.xml><?xml version="1.0" encoding="utf-8"?>
-<p:notes xmlns:a="http://schemas.openxmlformats.org/drawingml/2006/main" xmlns:r="http://schemas.openxmlformats.org/officeDocument/2006/relationships" xmlns:p="http://schemas.openxmlformats.org/presentationml/2006/main" showMasterSp="0" showMasterPhAnim="0">
-  <p:cSld>
-    <p:spTree>
-      <p:nvGrpSpPr>
-        <p:cNvPr id="1" name="Shape 202"/>
-        <p:cNvGrpSpPr/>
-        <p:nvPr/>
-      </p:nvGrpSpPr>
-      <p:grpSpPr>
-        <a:xfrm>
-          <a:off x="0" y="0"/>
-          <a:ext cx="0" cy="0"/>
-          <a:chOff x="0" y="0"/>
-          <a:chExt cx="0" cy="0"/>
-        </a:xfrm>
-      </p:grpSpPr>
-      <p:sp>
-        <p:nvSpPr>
-          <p:cNvPr id="203" name="Shape 203"/>
-          <p:cNvSpPr>
-            <a:spLocks noGrp="1" noRot="1" noChangeAspect="1"/>
-          </p:cNvSpPr>
-          <p:nvPr>
-            <p:ph type="sldImg" idx="2"/>
-          </p:nvPr>
-        </p:nvSpPr>
-        <p:spPr>
-          <a:xfrm>
-            <a:off x="1143000" y="685800"/>
-            <a:ext cx="4572000" cy="3429000"/>
-          </a:xfrm>
-          <a:custGeom>
-            <a:avLst/>
-            <a:gdLst/>
-            <a:ahLst/>
-            <a:cxnLst/>
-            <a:rect l="0" t="0" r="0" b="0"/>
-            <a:pathLst>
-              <a:path w="120000" h="120000" extrusionOk="0">
-                <a:moveTo>
-                  <a:pt x="0" y="0"/>
-                </a:moveTo>
-                <a:lnTo>
-                  <a:pt x="120000" y="0"/>
-                </a:lnTo>
-                <a:lnTo>
-                  <a:pt x="120000" y="120000"/>
-                </a:lnTo>
-                <a:lnTo>
-                  <a:pt x="0" y="120000"/>
-                </a:lnTo>
-                <a:close/>
-              </a:path>
-            </a:pathLst>
-          </a:custGeom>
-        </p:spPr>
-      </p:sp>
-      <p:sp>
-        <p:nvSpPr>
-          <p:cNvPr id="204" name="Shape 204"/>
-          <p:cNvSpPr txBox="1">
-            <a:spLocks noGrp="1"/>
-          </p:cNvSpPr>
-          <p:nvPr>
-            <p:ph type="body" idx="1"/>
-          </p:nvPr>
-        </p:nvSpPr>
-        <p:spPr>
-          <a:xfrm>
-            <a:off x="685800" y="4343400"/>
-            <a:ext cx="5486399" cy="4114800"/>
-          </a:xfrm>
-          <a:prstGeom prst="rect">
-            <a:avLst/>
-          </a:prstGeom>
-        </p:spPr>
-        <p:txBody>
-          <a:bodyPr lIns="91425" tIns="91425" rIns="91425" bIns="91425" anchor="t" anchorCtr="0">
-            <a:noAutofit/>
-          </a:bodyPr>
-          <a:lstStyle/>
-          <a:p>
-            <a:pPr lvl="0" rtl="0">
-              <a:spcBef>
-                <a:spcPts val="0"/>
-              </a:spcBef>
-              <a:buNone/>
-            </a:pPr>
-            <a:endParaRPr/>
-          </a:p>
-        </p:txBody>
-      </p:sp>
-    </p:spTree>
-    <p:extLst>
-      <p:ext uri="{BB962C8B-B14F-4D97-AF65-F5344CB8AC3E}">
-        <p14:creationId xmlns:p14="http://schemas.microsoft.com/office/powerpoint/2010/main" val="693445956"/>
-      </p:ext>
-    </p:extLst>
-  </p:cSld>
-  <p:clrMapOvr>
-    <a:masterClrMapping/>
-  </p:clrMapOvr>
-</p:notes>
-</file>
-
-<file path=ppt/notesSlides/notesSlide8.xml><?xml version="1.0" encoding="utf-8"?>
 <p:notes xmlns:a="http://schemas.openxmlformats.org/drawingml/2006/main" xmlns:r="http://schemas.openxmlformats.org/officeDocument/2006/relationships" xmlns:p="http://schemas.openxmlformats.org/presentationml/2006/main" showMasterSp="0" showMasterPhAnim="0">
   <p:cSld>
     <p:spTree>
@@ -1345,7 +1238,7 @@
 </p:notes>
 </file>
 
-<file path=ppt/notesSlides/notesSlide9.xml><?xml version="1.0" encoding="utf-8"?>
+<file path=ppt/notesSlides/notesSlide8.xml><?xml version="1.0" encoding="utf-8"?>
 <p:notes xmlns:a="http://schemas.openxmlformats.org/drawingml/2006/main" xmlns:r="http://schemas.openxmlformats.org/officeDocument/2006/relationships" xmlns:p="http://schemas.openxmlformats.org/presentationml/2006/main" showMasterSp="0" showMasterPhAnim="0">
   <p:cSld>
     <p:spTree>
@@ -3816,6 +3709,7 @@
                 <a:solidFill>
                   <a:schemeClr val="lt1"/>
                 </a:solidFill>
+                <a:latin typeface="Atkinson Hyperlegible" pitchFamily="2" charset="0"/>
               </a:rPr>
               <a:t>Lesson 5</a:t>
             </a:r>
@@ -3867,6 +3761,7 @@
                 <a:solidFill>
                   <a:schemeClr val="lt1"/>
                 </a:solidFill>
+                <a:latin typeface="Atkinson Hyperlegible" pitchFamily="2" charset="0"/>
               </a:rPr>
               <a:t>Music</a:t>
             </a:r>
@@ -3874,6 +3769,7 @@
               <a:solidFill>
                 <a:schemeClr val="lt1"/>
               </a:solidFill>
+              <a:latin typeface="Atkinson Hyperlegible" pitchFamily="2" charset="0"/>
             </a:endParaRPr>
           </a:p>
         </p:txBody>
@@ -3923,9 +3819,7 @@
               <a:solidFill>
                 <a:srgbClr val="000000"/>
               </a:solidFill>
-              <a:latin typeface="Arial"/>
-              <a:ea typeface="Arial"/>
-              <a:cs typeface="Arial"/>
+              <a:latin typeface="Atkinson Hyperlegible" pitchFamily="2" charset="0"/>
               <a:sym typeface="Arial"/>
             </a:endParaRPr>
           </a:p>
@@ -4054,6 +3948,250 @@
           </a:extLst>
         </p:spPr>
       </p:pic>
+      <p:sp>
+        <p:nvSpPr>
+          <p:cNvPr id="2" name="Shape 94">
+            <a:extLst>
+              <a:ext uri="{FF2B5EF4-FFF2-40B4-BE49-F238E27FC236}">
+                <a16:creationId xmlns:a16="http://schemas.microsoft.com/office/drawing/2014/main" id="{24A15FEB-25EC-3575-8C4A-C90C2E3F6202}"/>
+              </a:ext>
+            </a:extLst>
+          </p:cNvPr>
+          <p:cNvSpPr txBox="1">
+            <a:spLocks/>
+          </p:cNvSpPr>
+          <p:nvPr/>
+        </p:nvSpPr>
+        <p:spPr>
+          <a:xfrm>
+            <a:off x="175189" y="0"/>
+            <a:ext cx="8229600" cy="683699"/>
+          </a:xfrm>
+          <a:prstGeom prst="rect">
+            <a:avLst/>
+          </a:prstGeom>
+          <a:solidFill>
+            <a:srgbClr val="5CB343"/>
+          </a:solidFill>
+          <a:ln>
+            <a:noFill/>
+          </a:ln>
+        </p:spPr>
+        <p:txBody>
+          <a:bodyPr lIns="91425" tIns="91425" rIns="91425" bIns="91425" anchor="ctr" anchorCtr="0">
+            <a:noAutofit/>
+          </a:bodyPr>
+          <a:lstStyle>
+            <a:defPPr marR="0" lvl="0" algn="l" rtl="0">
+              <a:lnSpc>
+                <a:spcPct val="100000"/>
+              </a:lnSpc>
+              <a:spcBef>
+                <a:spcPts val="0"/>
+              </a:spcBef>
+              <a:spcAft>
+                <a:spcPts val="0"/>
+              </a:spcAft>
+            </a:defPPr>
+            <a:lvl1pPr marL="0" marR="0" lvl="0" indent="0" algn="l" rtl="0">
+              <a:lnSpc>
+                <a:spcPct val="100000"/>
+              </a:lnSpc>
+              <a:spcBef>
+                <a:spcPts val="0"/>
+              </a:spcBef>
+              <a:spcAft>
+                <a:spcPts val="0"/>
+              </a:spcAft>
+              <a:buClr>
+                <a:srgbClr val="FFFFFF"/>
+              </a:buClr>
+              <a:buSzPct val="100000"/>
+              <a:buFont typeface="Ubuntu"/>
+              <a:buNone/>
+              <a:defRPr sz="3000" b="1" i="0" u="none" strike="noStrike" cap="none">
+                <a:solidFill>
+                  <a:srgbClr val="FFFFFF"/>
+                </a:solidFill>
+                <a:latin typeface="Century Gothic" panose="020B0502020202020204" pitchFamily="34" charset="0"/>
+                <a:ea typeface="Century Gothic" panose="020B0502020202020204" pitchFamily="34" charset="0"/>
+                <a:cs typeface="Century Gothic" panose="020B0502020202020204" pitchFamily="34" charset="0"/>
+                <a:sym typeface="Ubuntu"/>
+                <a:rtl val="0"/>
+              </a:defRPr>
+            </a:lvl1pPr>
+            <a:lvl2pPr marL="0" marR="0" lvl="1" indent="0" algn="l" rtl="0">
+              <a:spcBef>
+                <a:spcPts val="0"/>
+              </a:spcBef>
+              <a:buClr>
+                <a:srgbClr val="FFFFFF"/>
+              </a:buClr>
+              <a:buSzPct val="100000"/>
+              <a:buFont typeface="Ubuntu"/>
+              <a:defRPr sz="3000" b="1">
+                <a:solidFill>
+                  <a:srgbClr val="FFFFFF"/>
+                </a:solidFill>
+                <a:latin typeface="Ubuntu"/>
+                <a:ea typeface="Ubuntu"/>
+                <a:cs typeface="Ubuntu"/>
+                <a:sym typeface="Ubuntu"/>
+              </a:defRPr>
+            </a:lvl2pPr>
+            <a:lvl3pPr marL="0" marR="0" lvl="2" indent="0" algn="l" rtl="0">
+              <a:spcBef>
+                <a:spcPts val="0"/>
+              </a:spcBef>
+              <a:buClr>
+                <a:srgbClr val="FFFFFF"/>
+              </a:buClr>
+              <a:buSzPct val="100000"/>
+              <a:buFont typeface="Ubuntu"/>
+              <a:defRPr sz="3000" b="1">
+                <a:solidFill>
+                  <a:srgbClr val="FFFFFF"/>
+                </a:solidFill>
+                <a:latin typeface="Ubuntu"/>
+                <a:ea typeface="Ubuntu"/>
+                <a:cs typeface="Ubuntu"/>
+                <a:sym typeface="Ubuntu"/>
+              </a:defRPr>
+            </a:lvl3pPr>
+            <a:lvl4pPr marL="0" marR="0" lvl="3" indent="0" algn="l" rtl="0">
+              <a:spcBef>
+                <a:spcPts val="0"/>
+              </a:spcBef>
+              <a:buClr>
+                <a:srgbClr val="FFFFFF"/>
+              </a:buClr>
+              <a:buSzPct val="100000"/>
+              <a:buFont typeface="Ubuntu"/>
+              <a:defRPr sz="3000" b="1">
+                <a:solidFill>
+                  <a:srgbClr val="FFFFFF"/>
+                </a:solidFill>
+                <a:latin typeface="Ubuntu"/>
+                <a:ea typeface="Ubuntu"/>
+                <a:cs typeface="Ubuntu"/>
+                <a:sym typeface="Ubuntu"/>
+              </a:defRPr>
+            </a:lvl4pPr>
+            <a:lvl5pPr marL="0" marR="0" lvl="4" indent="0" algn="l" rtl="0">
+              <a:spcBef>
+                <a:spcPts val="0"/>
+              </a:spcBef>
+              <a:buClr>
+                <a:srgbClr val="FFFFFF"/>
+              </a:buClr>
+              <a:buSzPct val="100000"/>
+              <a:buFont typeface="Ubuntu"/>
+              <a:defRPr sz="3000" b="1">
+                <a:solidFill>
+                  <a:srgbClr val="FFFFFF"/>
+                </a:solidFill>
+                <a:latin typeface="Ubuntu"/>
+                <a:ea typeface="Ubuntu"/>
+                <a:cs typeface="Ubuntu"/>
+                <a:sym typeface="Ubuntu"/>
+              </a:defRPr>
+            </a:lvl5pPr>
+            <a:lvl6pPr marL="0" marR="0" lvl="5" indent="0" algn="l" rtl="0">
+              <a:spcBef>
+                <a:spcPts val="0"/>
+              </a:spcBef>
+              <a:buClr>
+                <a:srgbClr val="FFFFFF"/>
+              </a:buClr>
+              <a:buSzPct val="100000"/>
+              <a:buFont typeface="Ubuntu"/>
+              <a:defRPr sz="3000" b="1">
+                <a:solidFill>
+                  <a:srgbClr val="FFFFFF"/>
+                </a:solidFill>
+                <a:latin typeface="Ubuntu"/>
+                <a:ea typeface="Ubuntu"/>
+                <a:cs typeface="Ubuntu"/>
+                <a:sym typeface="Ubuntu"/>
+              </a:defRPr>
+            </a:lvl6pPr>
+            <a:lvl7pPr marL="0" marR="0" lvl="6" indent="0" algn="l" rtl="0">
+              <a:spcBef>
+                <a:spcPts val="0"/>
+              </a:spcBef>
+              <a:buClr>
+                <a:srgbClr val="FFFFFF"/>
+              </a:buClr>
+              <a:buSzPct val="100000"/>
+              <a:buFont typeface="Ubuntu"/>
+              <a:defRPr sz="3000" b="1">
+                <a:solidFill>
+                  <a:srgbClr val="FFFFFF"/>
+                </a:solidFill>
+                <a:latin typeface="Ubuntu"/>
+                <a:ea typeface="Ubuntu"/>
+                <a:cs typeface="Ubuntu"/>
+                <a:sym typeface="Ubuntu"/>
+              </a:defRPr>
+            </a:lvl7pPr>
+            <a:lvl8pPr marL="0" marR="0" lvl="7" indent="0" algn="l" rtl="0">
+              <a:spcBef>
+                <a:spcPts val="0"/>
+              </a:spcBef>
+              <a:buClr>
+                <a:srgbClr val="FFFFFF"/>
+              </a:buClr>
+              <a:buSzPct val="100000"/>
+              <a:buFont typeface="Ubuntu"/>
+              <a:defRPr sz="3000" b="1">
+                <a:solidFill>
+                  <a:srgbClr val="FFFFFF"/>
+                </a:solidFill>
+                <a:latin typeface="Ubuntu"/>
+                <a:ea typeface="Ubuntu"/>
+                <a:cs typeface="Ubuntu"/>
+                <a:sym typeface="Ubuntu"/>
+              </a:defRPr>
+            </a:lvl8pPr>
+            <a:lvl9pPr marL="0" marR="0" lvl="8" indent="0" algn="l" rtl="0">
+              <a:spcBef>
+                <a:spcPts val="0"/>
+              </a:spcBef>
+              <a:buClr>
+                <a:srgbClr val="FFFFFF"/>
+              </a:buClr>
+              <a:buSzPct val="100000"/>
+              <a:buFont typeface="Ubuntu"/>
+              <a:defRPr sz="3000" b="1">
+                <a:solidFill>
+                  <a:srgbClr val="FFFFFF"/>
+                </a:solidFill>
+                <a:latin typeface="Ubuntu"/>
+                <a:ea typeface="Ubuntu"/>
+                <a:cs typeface="Ubuntu"/>
+                <a:sym typeface="Ubuntu"/>
+              </a:defRPr>
+            </a:lvl9pPr>
+          </a:lstStyle>
+          <a:p>
+            <a:r>
+              <a:rPr lang="en-GB" b="0" dirty="0">
+                <a:latin typeface="Atkinson Hyperlegible" pitchFamily="2" charset="0"/>
+              </a:rPr>
+              <a:t>BBC </a:t>
+            </a:r>
+            <a:r>
+              <a:rPr lang="en-GB" b="0" dirty="0" err="1">
+                <a:latin typeface="Atkinson Hyperlegible" pitchFamily="2" charset="0"/>
+              </a:rPr>
+              <a:t>Micro:bit</a:t>
+            </a:r>
+            <a:endParaRPr lang="en-GB" b="0" dirty="0">
+              <a:latin typeface="Atkinson Hyperlegible" pitchFamily="2" charset="0"/>
+            </a:endParaRPr>
+          </a:p>
+        </p:txBody>
+      </p:sp>
     </p:spTree>
   </p:cSld>
   <p:clrMapOvr>
@@ -4114,774 +4252,9 @@
               <a:buNone/>
             </a:pPr>
             <a:r>
-              <a:rPr lang="en-GB" dirty="0"/>
-              <a:t>Music</a:t>
-            </a:r>
-          </a:p>
-        </p:txBody>
-      </p:sp>
-      <p:sp>
-        <p:nvSpPr>
-          <p:cNvPr id="5" name="Shape 169"/>
-          <p:cNvSpPr/>
-          <p:nvPr/>
-        </p:nvSpPr>
-        <p:spPr>
-          <a:xfrm>
-            <a:off x="376041" y="960108"/>
-            <a:ext cx="8391900" cy="822393"/>
-          </a:xfrm>
-          <a:prstGeom prst="rect">
-            <a:avLst/>
-          </a:prstGeom>
-          <a:noFill/>
-          <a:ln w="28575" cap="flat" cmpd="sng">
-            <a:solidFill>
-              <a:srgbClr val="5CB244"/>
-            </a:solidFill>
-            <a:prstDash val="solid"/>
-            <a:round/>
-            <a:headEnd type="none" w="med" len="med"/>
-            <a:tailEnd type="none" w="med" len="med"/>
-          </a:ln>
-        </p:spPr>
-        <p:txBody>
-          <a:bodyPr lIns="91425" tIns="45700" rIns="91425" bIns="45700" anchor="ctr" anchorCtr="0">
-            <a:noAutofit/>
-          </a:bodyPr>
-          <a:lstStyle/>
-          <a:p>
-            <a:pPr lvl="0" algn="ctr">
-              <a:buClr>
-                <a:srgbClr val="003565"/>
-              </a:buClr>
-              <a:buSzPct val="25000"/>
-            </a:pPr>
-            <a:r>
-              <a:rPr lang="en-GB" sz="2000" dirty="0">
-                <a:solidFill>
-                  <a:schemeClr val="tx1"/>
-                </a:solidFill>
-                <a:latin typeface="Century Gothic" panose="020B0502020202020204" pitchFamily="34" charset="0"/>
-                <a:ea typeface="Ubuntu"/>
-                <a:cs typeface="Ubuntu"/>
-                <a:sym typeface="Ubuntu"/>
-              </a:rPr>
-              <a:t>The micro:bit can generate music if it is connected to a speaker or headphones.</a:t>
-            </a:r>
-          </a:p>
-        </p:txBody>
-      </p:sp>
-      <p:sp>
-        <p:nvSpPr>
-          <p:cNvPr id="7" name="Shape 169"/>
-          <p:cNvSpPr/>
-          <p:nvPr/>
-        </p:nvSpPr>
-        <p:spPr>
-          <a:xfrm>
-            <a:off x="376041" y="1896864"/>
-            <a:ext cx="5365002" cy="1196714"/>
-          </a:xfrm>
-          <a:prstGeom prst="rect">
-            <a:avLst/>
-          </a:prstGeom>
-          <a:noFill/>
-          <a:ln w="28575" cap="flat" cmpd="sng">
-            <a:solidFill>
-              <a:srgbClr val="5CB244"/>
-            </a:solidFill>
-            <a:prstDash val="solid"/>
-            <a:round/>
-            <a:headEnd type="none" w="med" len="med"/>
-            <a:tailEnd type="none" w="med" len="med"/>
-          </a:ln>
-        </p:spPr>
-        <p:txBody>
-          <a:bodyPr lIns="91425" tIns="45700" rIns="91425" bIns="45700" anchor="ctr" anchorCtr="0">
-            <a:noAutofit/>
-          </a:bodyPr>
-          <a:lstStyle/>
-          <a:p>
-            <a:pPr lvl="0" algn="ctr">
-              <a:buClr>
-                <a:srgbClr val="003565"/>
-              </a:buClr>
-              <a:buSzPct val="25000"/>
-            </a:pPr>
-            <a:r>
-              <a:rPr lang="en-GB" sz="2000" dirty="0">
-                <a:solidFill>
-                  <a:schemeClr val="tx1"/>
-                </a:solidFill>
-                <a:latin typeface="Century Gothic" panose="020B0502020202020204" pitchFamily="34" charset="0"/>
-                <a:ea typeface="Ubuntu"/>
-                <a:cs typeface="Ubuntu"/>
-                <a:sym typeface="Ubuntu"/>
-              </a:rPr>
-              <a:t>Connect your headphones to the micro:bit using crocodile clips as shown in the diagram.</a:t>
-            </a:r>
-          </a:p>
-        </p:txBody>
-      </p:sp>
-      <p:pic>
-        <p:nvPicPr>
-          <p:cNvPr id="1026" name="Picture 2" descr="../_images/pin0-gnd.png"/>
-          <p:cNvPicPr>
-            <a:picLocks noChangeAspect="1" noChangeArrowheads="1"/>
-          </p:cNvPicPr>
-          <p:nvPr/>
-        </p:nvPicPr>
-        <p:blipFill>
-          <a:blip r:embed="rId3">
-            <a:extLst>
-              <a:ext uri="{28A0092B-C50C-407E-A947-70E740481C1C}">
-                <a14:useLocalDpi xmlns:a14="http://schemas.microsoft.com/office/drawing/2010/main" val="0"/>
-              </a:ext>
-            </a:extLst>
-          </a:blip>
-          <a:srcRect/>
-          <a:stretch>
-            <a:fillRect/>
-          </a:stretch>
-        </p:blipFill>
-        <p:spPr bwMode="auto">
-          <a:xfrm>
-            <a:off x="5830467" y="1896864"/>
-            <a:ext cx="2937474" cy="3310943"/>
-          </a:xfrm>
-          <a:prstGeom prst="rect">
-            <a:avLst/>
-          </a:prstGeom>
-          <a:noFill/>
-          <a:extLst>
-            <a:ext uri="{909E8E84-426E-40DD-AFC4-6F175D3DCCD1}">
-              <a14:hiddenFill xmlns:a14="http://schemas.microsoft.com/office/drawing/2010/main">
-                <a:solidFill>
-                  <a:srgbClr val="FFFFFF"/>
-                </a:solidFill>
-              </a14:hiddenFill>
-            </a:ext>
-          </a:extLst>
-        </p:spPr>
-      </p:pic>
-      <p:pic>
-        <p:nvPicPr>
-          <p:cNvPr id="16" name="Picture 10" descr="http://cdn.1001freedownloads.com/vector/thumb/64745/headphones-connector.png"/>
-          <p:cNvPicPr>
-            <a:picLocks noChangeAspect="1" noChangeArrowheads="1"/>
-          </p:cNvPicPr>
-          <p:nvPr/>
-        </p:nvPicPr>
-        <p:blipFill>
-          <a:blip r:embed="rId4">
-            <a:extLst>
-              <a:ext uri="{28A0092B-C50C-407E-A947-70E740481C1C}">
-                <a14:useLocalDpi xmlns:a14="http://schemas.microsoft.com/office/drawing/2010/main" val="0"/>
-              </a:ext>
-            </a:extLst>
-          </a:blip>
-          <a:srcRect/>
-          <a:stretch>
-            <a:fillRect/>
-          </a:stretch>
-        </p:blipFill>
-        <p:spPr bwMode="auto">
-          <a:xfrm rot="10800000">
-            <a:off x="6341685" y="5914342"/>
-            <a:ext cx="2358798" cy="459965"/>
-          </a:xfrm>
-          <a:prstGeom prst="rect">
-            <a:avLst/>
-          </a:prstGeom>
-          <a:noFill/>
-          <a:extLst>
-            <a:ext uri="{909E8E84-426E-40DD-AFC4-6F175D3DCCD1}">
-              <a14:hiddenFill xmlns:a14="http://schemas.microsoft.com/office/drawing/2010/main">
-                <a:solidFill>
-                  <a:srgbClr val="FFFFFF"/>
-                </a:solidFill>
-              </a14:hiddenFill>
-            </a:ext>
-          </a:extLst>
-        </p:spPr>
-      </p:pic>
-      <p:grpSp>
-        <p:nvGrpSpPr>
-          <p:cNvPr id="15" name="Group 14"/>
-          <p:cNvGrpSpPr/>
-          <p:nvPr/>
-        </p:nvGrpSpPr>
-        <p:grpSpPr>
-          <a:xfrm rot="10800000">
-            <a:off x="7938205" y="5327766"/>
-            <a:ext cx="314657" cy="892312"/>
-            <a:chOff x="5964222" y="4191707"/>
-            <a:chExt cx="314657" cy="892312"/>
-          </a:xfrm>
-        </p:grpSpPr>
-        <p:sp>
-          <p:nvSpPr>
-            <p:cNvPr id="3" name="Flowchart: Delay 2"/>
-            <p:cNvSpPr/>
-            <p:nvPr/>
-          </p:nvSpPr>
-          <p:spPr>
-            <a:xfrm rot="5400000">
-              <a:off x="5963625" y="4540159"/>
-              <a:ext cx="315851" cy="314657"/>
-            </a:xfrm>
-            <a:prstGeom prst="flowChartDelay">
-              <a:avLst/>
-            </a:prstGeom>
-            <a:solidFill>
-              <a:srgbClr val="FF0000"/>
-            </a:solidFill>
-            <a:ln>
-              <a:solidFill>
-                <a:srgbClr val="FF0000"/>
-              </a:solidFill>
-            </a:ln>
-          </p:spPr>
-          <p:style>
-            <a:lnRef idx="2">
-              <a:schemeClr val="accent1">
-                <a:shade val="50000"/>
-              </a:schemeClr>
-            </a:lnRef>
-            <a:fillRef idx="1">
-              <a:schemeClr val="accent1"/>
-            </a:fillRef>
-            <a:effectRef idx="0">
-              <a:schemeClr val="accent1"/>
-            </a:effectRef>
-            <a:fontRef idx="minor">
-              <a:schemeClr val="lt1"/>
-            </a:fontRef>
-          </p:style>
-          <p:txBody>
-            <a:bodyPr rtlCol="0" anchor="ctr"/>
-            <a:lstStyle/>
-            <a:p>
-              <a:pPr algn="ctr"/>
-              <a:endParaRPr lang="en-GB"/>
-            </a:p>
-          </p:txBody>
-        </p:sp>
-        <p:cxnSp>
-          <p:nvCxnSpPr>
-            <p:cNvPr id="12" name="Straight Connector 11"/>
-            <p:cNvCxnSpPr>
-              <a:stCxn id="3" idx="3"/>
-            </p:cNvCxnSpPr>
-            <p:nvPr/>
-          </p:nvCxnSpPr>
-          <p:spPr>
-            <a:xfrm>
-              <a:off x="6121550" y="4855413"/>
-              <a:ext cx="0" cy="228606"/>
-            </a:xfrm>
-            <a:prstGeom prst="line">
-              <a:avLst/>
-            </a:prstGeom>
-            <a:ln w="38100">
-              <a:solidFill>
-                <a:srgbClr val="FF0000"/>
-              </a:solidFill>
-            </a:ln>
-          </p:spPr>
-          <p:style>
-            <a:lnRef idx="1">
-              <a:schemeClr val="accent1"/>
-            </a:lnRef>
-            <a:fillRef idx="0">
-              <a:schemeClr val="accent1"/>
-            </a:fillRef>
-            <a:effectRef idx="0">
-              <a:schemeClr val="accent1"/>
-            </a:effectRef>
-            <a:fontRef idx="minor">
-              <a:schemeClr val="tx1"/>
-            </a:fontRef>
-          </p:style>
-        </p:cxnSp>
-        <p:sp>
-          <p:nvSpPr>
-            <p:cNvPr id="14" name="Rounded Rectangle 13"/>
-            <p:cNvSpPr/>
-            <p:nvPr/>
-          </p:nvSpPr>
-          <p:spPr>
-            <a:xfrm>
-              <a:off x="6067659" y="4191707"/>
-              <a:ext cx="107781" cy="269035"/>
-            </a:xfrm>
-            <a:prstGeom prst="roundRect">
-              <a:avLst>
-                <a:gd name="adj" fmla="val 50000"/>
-              </a:avLst>
-            </a:prstGeom>
-            <a:solidFill>
-              <a:srgbClr val="CCCCCC"/>
-            </a:solidFill>
-            <a:ln>
-              <a:solidFill>
-                <a:srgbClr val="CCCCCC"/>
-              </a:solidFill>
-            </a:ln>
-            <a:effectLst>
-              <a:outerShdw blurRad="12700" sx="108000" sy="108000" algn="ctr" rotWithShape="0">
-                <a:prstClr val="black">
-                  <a:alpha val="50000"/>
-                </a:prstClr>
-              </a:outerShdw>
-            </a:effectLst>
-          </p:spPr>
-          <p:style>
-            <a:lnRef idx="2">
-              <a:schemeClr val="accent1">
-                <a:shade val="50000"/>
-              </a:schemeClr>
-            </a:lnRef>
-            <a:fillRef idx="1">
-              <a:schemeClr val="accent1"/>
-            </a:fillRef>
-            <a:effectRef idx="0">
-              <a:schemeClr val="accent1"/>
-            </a:effectRef>
-            <a:fontRef idx="minor">
-              <a:schemeClr val="lt1"/>
-            </a:fontRef>
-          </p:style>
-          <p:txBody>
-            <a:bodyPr rtlCol="0" anchor="ctr"/>
-            <a:lstStyle/>
-            <a:p>
-              <a:pPr algn="ctr"/>
-              <a:endParaRPr lang="en-GB"/>
-            </a:p>
-          </p:txBody>
-        </p:sp>
-        <p:sp>
-          <p:nvSpPr>
-            <p:cNvPr id="6" name="Round Same Side Corner Rectangle 5"/>
-            <p:cNvSpPr/>
-            <p:nvPr/>
-          </p:nvSpPr>
-          <p:spPr>
-            <a:xfrm>
-              <a:off x="5964222" y="4422322"/>
-              <a:ext cx="314657" cy="254181"/>
-            </a:xfrm>
-            <a:prstGeom prst="round2SameRect">
-              <a:avLst>
-                <a:gd name="adj1" fmla="val 37224"/>
-                <a:gd name="adj2" fmla="val 0"/>
-              </a:avLst>
-            </a:prstGeom>
-            <a:solidFill>
-              <a:srgbClr val="FF0000"/>
-            </a:solidFill>
-            <a:ln>
-              <a:solidFill>
-                <a:srgbClr val="FF0000"/>
-              </a:solidFill>
-            </a:ln>
-          </p:spPr>
-          <p:style>
-            <a:lnRef idx="2">
-              <a:schemeClr val="accent1">
-                <a:shade val="50000"/>
-              </a:schemeClr>
-            </a:lnRef>
-            <a:fillRef idx="1">
-              <a:schemeClr val="accent1"/>
-            </a:fillRef>
-            <a:effectRef idx="0">
-              <a:schemeClr val="accent1"/>
-            </a:effectRef>
-            <a:fontRef idx="minor">
-              <a:schemeClr val="lt1"/>
-            </a:fontRef>
-          </p:style>
-          <p:txBody>
-            <a:bodyPr rtlCol="0" anchor="ctr"/>
-            <a:lstStyle/>
-            <a:p>
-              <a:pPr algn="ctr"/>
-              <a:endParaRPr lang="en-GB"/>
-            </a:p>
-          </p:txBody>
-        </p:sp>
-      </p:grpSp>
-      <p:grpSp>
-        <p:nvGrpSpPr>
-          <p:cNvPr id="30" name="Group 29"/>
-          <p:cNvGrpSpPr/>
-          <p:nvPr/>
-        </p:nvGrpSpPr>
-        <p:grpSpPr>
-          <a:xfrm rot="10800000">
-            <a:off x="8345651" y="4738887"/>
-            <a:ext cx="314657" cy="1481192"/>
-            <a:chOff x="5964222" y="4191707"/>
-            <a:chExt cx="314657" cy="1481192"/>
-          </a:xfrm>
-        </p:grpSpPr>
-        <p:sp>
-          <p:nvSpPr>
-            <p:cNvPr id="31" name="Flowchart: Delay 30"/>
-            <p:cNvSpPr/>
-            <p:nvPr/>
-          </p:nvSpPr>
-          <p:spPr>
-            <a:xfrm rot="5400000">
-              <a:off x="5963625" y="4540159"/>
-              <a:ext cx="315851" cy="314657"/>
-            </a:xfrm>
-            <a:prstGeom prst="flowChartDelay">
-              <a:avLst/>
-            </a:prstGeom>
-            <a:solidFill>
-              <a:srgbClr val="FF0000"/>
-            </a:solidFill>
-            <a:ln>
-              <a:solidFill>
-                <a:srgbClr val="FF0000"/>
-              </a:solidFill>
-            </a:ln>
-          </p:spPr>
-          <p:style>
-            <a:lnRef idx="2">
-              <a:schemeClr val="accent1">
-                <a:shade val="50000"/>
-              </a:schemeClr>
-            </a:lnRef>
-            <a:fillRef idx="1">
-              <a:schemeClr val="accent1"/>
-            </a:fillRef>
-            <a:effectRef idx="0">
-              <a:schemeClr val="accent1"/>
-            </a:effectRef>
-            <a:fontRef idx="minor">
-              <a:schemeClr val="lt1"/>
-            </a:fontRef>
-          </p:style>
-          <p:txBody>
-            <a:bodyPr rtlCol="0" anchor="ctr"/>
-            <a:lstStyle/>
-            <a:p>
-              <a:pPr algn="ctr"/>
-              <a:endParaRPr lang="en-GB"/>
-            </a:p>
-          </p:txBody>
-        </p:sp>
-        <p:cxnSp>
-          <p:nvCxnSpPr>
-            <p:cNvPr id="32" name="Straight Connector 31"/>
-            <p:cNvCxnSpPr>
-              <a:stCxn id="31" idx="3"/>
-            </p:cNvCxnSpPr>
-            <p:nvPr/>
-          </p:nvCxnSpPr>
-          <p:spPr>
-            <a:xfrm rot="10800000" flipH="1" flipV="1">
-              <a:off x="6121550" y="4855413"/>
-              <a:ext cx="1" cy="817486"/>
-            </a:xfrm>
-            <a:prstGeom prst="line">
-              <a:avLst/>
-            </a:prstGeom>
-            <a:ln w="38100">
-              <a:solidFill>
-                <a:srgbClr val="FF0000"/>
-              </a:solidFill>
-            </a:ln>
-          </p:spPr>
-          <p:style>
-            <a:lnRef idx="1">
-              <a:schemeClr val="accent1"/>
-            </a:lnRef>
-            <a:fillRef idx="0">
-              <a:schemeClr val="accent1"/>
-            </a:fillRef>
-            <a:effectRef idx="0">
-              <a:schemeClr val="accent1"/>
-            </a:effectRef>
-            <a:fontRef idx="minor">
-              <a:schemeClr val="tx1"/>
-            </a:fontRef>
-          </p:style>
-        </p:cxnSp>
-        <p:sp>
-          <p:nvSpPr>
-            <p:cNvPr id="33" name="Rounded Rectangle 32"/>
-            <p:cNvSpPr/>
-            <p:nvPr/>
-          </p:nvSpPr>
-          <p:spPr>
-            <a:xfrm>
-              <a:off x="6067659" y="4191707"/>
-              <a:ext cx="107781" cy="269035"/>
-            </a:xfrm>
-            <a:prstGeom prst="roundRect">
-              <a:avLst>
-                <a:gd name="adj" fmla="val 50000"/>
-              </a:avLst>
-            </a:prstGeom>
-            <a:solidFill>
-              <a:srgbClr val="CCCCCC"/>
-            </a:solidFill>
-            <a:ln>
-              <a:solidFill>
-                <a:srgbClr val="CCCCCC"/>
-              </a:solidFill>
-            </a:ln>
-            <a:effectLst>
-              <a:outerShdw blurRad="12700" sx="108000" sy="108000" algn="ctr" rotWithShape="0">
-                <a:prstClr val="black">
-                  <a:alpha val="50000"/>
-                </a:prstClr>
-              </a:outerShdw>
-            </a:effectLst>
-          </p:spPr>
-          <p:style>
-            <a:lnRef idx="2">
-              <a:schemeClr val="accent1">
-                <a:shade val="50000"/>
-              </a:schemeClr>
-            </a:lnRef>
-            <a:fillRef idx="1">
-              <a:schemeClr val="accent1"/>
-            </a:fillRef>
-            <a:effectRef idx="0">
-              <a:schemeClr val="accent1"/>
-            </a:effectRef>
-            <a:fontRef idx="minor">
-              <a:schemeClr val="lt1"/>
-            </a:fontRef>
-          </p:style>
-          <p:txBody>
-            <a:bodyPr rtlCol="0" anchor="ctr"/>
-            <a:lstStyle/>
-            <a:p>
-              <a:pPr algn="ctr"/>
-              <a:endParaRPr lang="en-GB"/>
-            </a:p>
-          </p:txBody>
-        </p:sp>
-        <p:sp>
-          <p:nvSpPr>
-            <p:cNvPr id="35" name="Round Same Side Corner Rectangle 34"/>
-            <p:cNvSpPr/>
-            <p:nvPr/>
-          </p:nvSpPr>
-          <p:spPr>
-            <a:xfrm>
-              <a:off x="5964222" y="4422322"/>
-              <a:ext cx="314657" cy="254181"/>
-            </a:xfrm>
-            <a:prstGeom prst="round2SameRect">
-              <a:avLst>
-                <a:gd name="adj1" fmla="val 37224"/>
-                <a:gd name="adj2" fmla="val 0"/>
-              </a:avLst>
-            </a:prstGeom>
-            <a:solidFill>
-              <a:srgbClr val="FF0000"/>
-            </a:solidFill>
-            <a:ln>
-              <a:solidFill>
-                <a:srgbClr val="FF0000"/>
-              </a:solidFill>
-            </a:ln>
-          </p:spPr>
-          <p:style>
-            <a:lnRef idx="2">
-              <a:schemeClr val="accent1">
-                <a:shade val="50000"/>
-              </a:schemeClr>
-            </a:lnRef>
-            <a:fillRef idx="1">
-              <a:schemeClr val="accent1"/>
-            </a:fillRef>
-            <a:effectRef idx="0">
-              <a:schemeClr val="accent1"/>
-            </a:effectRef>
-            <a:fontRef idx="minor">
-              <a:schemeClr val="lt1"/>
-            </a:fontRef>
-          </p:style>
-          <p:txBody>
-            <a:bodyPr rtlCol="0" anchor="ctr"/>
-            <a:lstStyle/>
-            <a:p>
-              <a:pPr algn="ctr"/>
-              <a:endParaRPr lang="en-GB"/>
-            </a:p>
-          </p:txBody>
-        </p:sp>
-      </p:grpSp>
-      <p:sp>
-        <p:nvSpPr>
-          <p:cNvPr id="29" name="Freeform 28"/>
-          <p:cNvSpPr/>
-          <p:nvPr/>
-        </p:nvSpPr>
-        <p:spPr>
-          <a:xfrm>
-            <a:off x="6107837" y="4909060"/>
-            <a:ext cx="1986168" cy="479631"/>
-          </a:xfrm>
-          <a:custGeom>
-            <a:avLst/>
-            <a:gdLst>
-              <a:gd name="connsiteX0" fmla="*/ 1988734 w 1988734"/>
-              <a:gd name="connsiteY0" fmla="*/ 427837 h 479631"/>
-              <a:gd name="connsiteX1" fmla="*/ 1686251 w 1988734"/>
-              <a:gd name="connsiteY1" fmla="*/ 190 h 479631"/>
-              <a:gd name="connsiteX2" fmla="*/ 292052 w 1988734"/>
-              <a:gd name="connsiteY2" fmla="*/ 473036 h 479631"/>
-              <a:gd name="connsiteX3" fmla="*/ 0 w 1988734"/>
-              <a:gd name="connsiteY3" fmla="*/ 233136 h 479631"/>
-            </a:gdLst>
-            <a:ahLst/>
-            <a:cxnLst>
-              <a:cxn ang="0">
-                <a:pos x="connsiteX0" y="connsiteY0"/>
-              </a:cxn>
-              <a:cxn ang="0">
-                <a:pos x="connsiteX1" y="connsiteY1"/>
-              </a:cxn>
-              <a:cxn ang="0">
-                <a:pos x="connsiteX2" y="connsiteY2"/>
-              </a:cxn>
-              <a:cxn ang="0">
-                <a:pos x="connsiteX3" y="connsiteY3"/>
-              </a:cxn>
-            </a:cxnLst>
-            <a:rect l="l" t="t" r="r" b="b"/>
-            <a:pathLst>
-              <a:path w="1988734" h="479631">
-                <a:moveTo>
-                  <a:pt x="1988734" y="427837"/>
-                </a:moveTo>
-                <a:cubicBezTo>
-                  <a:pt x="1978882" y="210247"/>
-                  <a:pt x="1969031" y="-7343"/>
-                  <a:pt x="1686251" y="190"/>
-                </a:cubicBezTo>
-                <a:cubicBezTo>
-                  <a:pt x="1403471" y="7723"/>
-                  <a:pt x="573094" y="434212"/>
-                  <a:pt x="292052" y="473036"/>
-                </a:cubicBezTo>
-                <a:cubicBezTo>
-                  <a:pt x="11010" y="511860"/>
-                  <a:pt x="5505" y="372498"/>
-                  <a:pt x="0" y="233136"/>
-                </a:cubicBezTo>
-              </a:path>
-            </a:pathLst>
-          </a:custGeom>
-          <a:noFill/>
-          <a:ln w="38100">
-            <a:solidFill>
-              <a:srgbClr val="FF0000"/>
-            </a:solidFill>
-          </a:ln>
-        </p:spPr>
-        <p:style>
-          <a:lnRef idx="2">
-            <a:schemeClr val="accent1">
-              <a:shade val="50000"/>
-            </a:schemeClr>
-          </a:lnRef>
-          <a:fillRef idx="1">
-            <a:schemeClr val="accent1"/>
-          </a:fillRef>
-          <a:effectRef idx="0">
-            <a:schemeClr val="accent1"/>
-          </a:effectRef>
-          <a:fontRef idx="minor">
-            <a:schemeClr val="lt1"/>
-          </a:fontRef>
-        </p:style>
-        <p:txBody>
-          <a:bodyPr rtlCol="0" anchor="ctr"/>
-          <a:lstStyle/>
-          <a:p>
-            <a:pPr algn="ctr"/>
-            <a:endParaRPr lang="en-GB"/>
-          </a:p>
-        </p:txBody>
-      </p:sp>
-    </p:spTree>
-    <p:extLst>
-      <p:ext uri="{BB962C8B-B14F-4D97-AF65-F5344CB8AC3E}">
-        <p14:creationId xmlns:p14="http://schemas.microsoft.com/office/powerpoint/2010/main" val="1417733495"/>
-      </p:ext>
-    </p:extLst>
-  </p:cSld>
-  <p:clrMapOvr>
-    <a:masterClrMapping/>
-  </p:clrMapOvr>
-  <p:transition spd="slow">
-    <p:cut/>
-  </p:transition>
-</p:sld>
-</file>
-
-<file path=ppt/slides/slide3.xml><?xml version="1.0" encoding="utf-8"?>
-<p:sld xmlns:a="http://schemas.openxmlformats.org/drawingml/2006/main" xmlns:r="http://schemas.openxmlformats.org/officeDocument/2006/relationships" xmlns:p="http://schemas.openxmlformats.org/presentationml/2006/main">
-  <p:cSld>
-    <p:spTree>
-      <p:nvGrpSpPr>
-        <p:cNvPr id="1" name="Shape 93"/>
-        <p:cNvGrpSpPr/>
-        <p:nvPr/>
-      </p:nvGrpSpPr>
-      <p:grpSpPr>
-        <a:xfrm>
-          <a:off x="0" y="0"/>
-          <a:ext cx="0" cy="0"/>
-          <a:chOff x="0" y="0"/>
-          <a:chExt cx="0" cy="0"/>
-        </a:xfrm>
-      </p:grpSpPr>
-      <p:sp>
-        <p:nvSpPr>
-          <p:cNvPr id="94" name="Shape 94"/>
-          <p:cNvSpPr txBox="1">
-            <a:spLocks noGrp="1"/>
-          </p:cNvSpPr>
-          <p:nvPr>
-            <p:ph type="title"/>
-          </p:nvPr>
-        </p:nvSpPr>
-        <p:spPr>
-          <a:xfrm>
-            <a:off x="175189" y="0"/>
-            <a:ext cx="8229600" cy="683699"/>
-          </a:xfrm>
-          <a:prstGeom prst="rect">
-            <a:avLst/>
-          </a:prstGeom>
-        </p:spPr>
-        <p:txBody>
-          <a:bodyPr lIns="91425" tIns="91425" rIns="91425" bIns="91425" anchor="ctr" anchorCtr="0">
-            <a:noAutofit/>
-          </a:bodyPr>
-          <a:lstStyle/>
-          <a:p>
-            <a:pPr lvl="0" rtl="0">
-              <a:spcBef>
-                <a:spcPts val="0"/>
-              </a:spcBef>
-              <a:buNone/>
-            </a:pPr>
-            <a:r>
-              <a:rPr lang="en-GB" dirty="0"/>
+              <a:rPr lang="en-GB" dirty="0">
+                <a:latin typeface="Atkinson Hyperlegible" pitchFamily="2" charset="0"/>
+              </a:rPr>
               <a:t>Example</a:t>
             </a:r>
           </a:p>
@@ -4918,7 +4291,7 @@
           </a:bodyPr>
           <a:lstStyle/>
           <a:p>
-            <a:pPr lvl="0" algn="ctr">
+            <a:pPr lvl="0">
               <a:buClr>
                 <a:srgbClr val="003565"/>
               </a:buClr>
@@ -4929,7 +4302,7 @@
                 <a:solidFill>
                   <a:schemeClr val="tx1"/>
                 </a:solidFill>
-                <a:latin typeface="Century Gothic" panose="020B0502020202020204" pitchFamily="34" charset="0"/>
+                <a:latin typeface="Atkinson Hyperlegible" pitchFamily="2" charset="0"/>
                 <a:ea typeface="Ubuntu"/>
                 <a:cs typeface="Ubuntu"/>
                 <a:sym typeface="Ubuntu"/>
@@ -4970,7 +4343,7 @@
           </a:bodyPr>
           <a:lstStyle/>
           <a:p>
-            <a:pPr lvl="0" algn="ctr">
+            <a:pPr lvl="0">
               <a:buClr>
                 <a:srgbClr val="003565"/>
               </a:buClr>
@@ -4980,7 +4353,7 @@
               <a:solidFill>
                 <a:schemeClr val="tx1"/>
               </a:solidFill>
-              <a:latin typeface="Century Gothic" panose="020B0502020202020204" pitchFamily="34" charset="0"/>
+              <a:latin typeface="Atkinson Hyperlegible" pitchFamily="2" charset="0"/>
               <a:ea typeface="Ubuntu"/>
               <a:cs typeface="Ubuntu"/>
               <a:sym typeface="Ubuntu"/>
@@ -5043,7 +4416,7 @@
           </a:bodyPr>
           <a:lstStyle/>
           <a:p>
-            <a:pPr lvl="0" algn="ctr">
+            <a:pPr lvl="0">
               <a:buClr>
                 <a:srgbClr val="003565"/>
               </a:buClr>
@@ -5054,16 +4427,16 @@
                 <a:solidFill>
                   <a:schemeClr val="tx1"/>
                 </a:solidFill>
-                <a:latin typeface="Century Gothic" panose="020B0502020202020204" pitchFamily="34" charset="0"/>
-                <a:ea typeface="Ubuntu"/>
-                <a:cs typeface="Ubuntu"/>
+                <a:latin typeface="Consolas" panose="020B0609020204030204" pitchFamily="49" charset="0"/>
+                <a:ea typeface="Ubuntu"/>
+                <a:cs typeface="Consolas" panose="020B0609020204030204" pitchFamily="49" charset="0"/>
                 <a:sym typeface="Ubuntu"/>
               </a:rPr>
               <a:t>music.DADADADUM</a:t>
             </a:r>
           </a:p>
           <a:p>
-            <a:pPr lvl="0" algn="ctr">
+            <a:pPr lvl="0">
               <a:buClr>
                 <a:srgbClr val="003565"/>
               </a:buClr>
@@ -5074,16 +4447,16 @@
                 <a:solidFill>
                   <a:schemeClr val="tx1"/>
                 </a:solidFill>
-                <a:latin typeface="Century Gothic" panose="020B0502020202020204" pitchFamily="34" charset="0"/>
-                <a:ea typeface="Ubuntu"/>
-                <a:cs typeface="Ubuntu"/>
+                <a:latin typeface="Consolas" panose="020B0609020204030204" pitchFamily="49" charset="0"/>
+                <a:ea typeface="Ubuntu"/>
+                <a:cs typeface="Consolas" panose="020B0609020204030204" pitchFamily="49" charset="0"/>
                 <a:sym typeface="Ubuntu"/>
               </a:rPr>
               <a:t>music.ENTERTAINER</a:t>
             </a:r>
           </a:p>
           <a:p>
-            <a:pPr lvl="0" algn="ctr">
+            <a:pPr lvl="0">
               <a:buClr>
                 <a:srgbClr val="003565"/>
               </a:buClr>
@@ -5094,16 +4467,16 @@
                 <a:solidFill>
                   <a:schemeClr val="tx1"/>
                 </a:solidFill>
-                <a:latin typeface="Century Gothic" panose="020B0502020202020204" pitchFamily="34" charset="0"/>
-                <a:ea typeface="Ubuntu"/>
-                <a:cs typeface="Ubuntu"/>
+                <a:latin typeface="Consolas" panose="020B0609020204030204" pitchFamily="49" charset="0"/>
+                <a:ea typeface="Ubuntu"/>
+                <a:cs typeface="Consolas" panose="020B0609020204030204" pitchFamily="49" charset="0"/>
                 <a:sym typeface="Ubuntu"/>
               </a:rPr>
               <a:t>music.PRELUDE</a:t>
             </a:r>
           </a:p>
           <a:p>
-            <a:pPr lvl="0" algn="ctr">
+            <a:pPr lvl="0">
               <a:buClr>
                 <a:srgbClr val="003565"/>
               </a:buClr>
@@ -5114,16 +4487,16 @@
                 <a:solidFill>
                   <a:schemeClr val="tx1"/>
                 </a:solidFill>
-                <a:latin typeface="Century Gothic" panose="020B0502020202020204" pitchFamily="34" charset="0"/>
-                <a:ea typeface="Ubuntu"/>
-                <a:cs typeface="Ubuntu"/>
+                <a:latin typeface="Consolas" panose="020B0609020204030204" pitchFamily="49" charset="0"/>
+                <a:ea typeface="Ubuntu"/>
+                <a:cs typeface="Consolas" panose="020B0609020204030204" pitchFamily="49" charset="0"/>
                 <a:sym typeface="Ubuntu"/>
               </a:rPr>
               <a:t>music.ODE</a:t>
             </a:r>
           </a:p>
           <a:p>
-            <a:pPr lvl="0" algn="ctr">
+            <a:pPr lvl="0">
               <a:buClr>
                 <a:srgbClr val="003565"/>
               </a:buClr>
@@ -5134,16 +4507,16 @@
                 <a:solidFill>
                   <a:schemeClr val="tx1"/>
                 </a:solidFill>
-                <a:latin typeface="Century Gothic" panose="020B0502020202020204" pitchFamily="34" charset="0"/>
-                <a:ea typeface="Ubuntu"/>
-                <a:cs typeface="Ubuntu"/>
+                <a:latin typeface="Consolas" panose="020B0609020204030204" pitchFamily="49" charset="0"/>
+                <a:ea typeface="Ubuntu"/>
+                <a:cs typeface="Consolas" panose="020B0609020204030204" pitchFamily="49" charset="0"/>
                 <a:sym typeface="Ubuntu"/>
               </a:rPr>
               <a:t>music.NYAN</a:t>
             </a:r>
           </a:p>
           <a:p>
-            <a:pPr lvl="0" algn="ctr">
+            <a:pPr lvl="0">
               <a:buClr>
                 <a:srgbClr val="003565"/>
               </a:buClr>
@@ -5154,16 +4527,16 @@
                 <a:solidFill>
                   <a:schemeClr val="tx1"/>
                 </a:solidFill>
-                <a:latin typeface="Century Gothic" panose="020B0502020202020204" pitchFamily="34" charset="0"/>
-                <a:ea typeface="Ubuntu"/>
-                <a:cs typeface="Ubuntu"/>
+                <a:latin typeface="Consolas" panose="020B0609020204030204" pitchFamily="49" charset="0"/>
+                <a:ea typeface="Ubuntu"/>
+                <a:cs typeface="Consolas" panose="020B0609020204030204" pitchFamily="49" charset="0"/>
                 <a:sym typeface="Ubuntu"/>
               </a:rPr>
               <a:t>music.RINGTONE</a:t>
             </a:r>
           </a:p>
           <a:p>
-            <a:pPr lvl="0" algn="ctr">
+            <a:pPr lvl="0">
               <a:buClr>
                 <a:srgbClr val="003565"/>
               </a:buClr>
@@ -5174,16 +4547,16 @@
                 <a:solidFill>
                   <a:schemeClr val="tx1"/>
                 </a:solidFill>
-                <a:latin typeface="Century Gothic" panose="020B0502020202020204" pitchFamily="34" charset="0"/>
-                <a:ea typeface="Ubuntu"/>
-                <a:cs typeface="Ubuntu"/>
+                <a:latin typeface="Consolas" panose="020B0609020204030204" pitchFamily="49" charset="0"/>
+                <a:ea typeface="Ubuntu"/>
+                <a:cs typeface="Consolas" panose="020B0609020204030204" pitchFamily="49" charset="0"/>
                 <a:sym typeface="Ubuntu"/>
               </a:rPr>
               <a:t>music.FUNK</a:t>
             </a:r>
           </a:p>
           <a:p>
-            <a:pPr lvl="0" algn="ctr">
+            <a:pPr lvl="0">
               <a:buClr>
                 <a:srgbClr val="003565"/>
               </a:buClr>
@@ -5194,16 +4567,16 @@
                 <a:solidFill>
                   <a:schemeClr val="tx1"/>
                 </a:solidFill>
-                <a:latin typeface="Century Gothic" panose="020B0502020202020204" pitchFamily="34" charset="0"/>
-                <a:ea typeface="Ubuntu"/>
-                <a:cs typeface="Ubuntu"/>
+                <a:latin typeface="Consolas" panose="020B0609020204030204" pitchFamily="49" charset="0"/>
+                <a:ea typeface="Ubuntu"/>
+                <a:cs typeface="Consolas" panose="020B0609020204030204" pitchFamily="49" charset="0"/>
                 <a:sym typeface="Ubuntu"/>
               </a:rPr>
               <a:t>music.BLUES</a:t>
             </a:r>
           </a:p>
           <a:p>
-            <a:pPr lvl="0" algn="ctr">
+            <a:pPr lvl="0">
               <a:buClr>
                 <a:srgbClr val="003565"/>
               </a:buClr>
@@ -5214,16 +4587,16 @@
                 <a:solidFill>
                   <a:schemeClr val="tx1"/>
                 </a:solidFill>
-                <a:latin typeface="Century Gothic" panose="020B0502020202020204" pitchFamily="34" charset="0"/>
-                <a:ea typeface="Ubuntu"/>
-                <a:cs typeface="Ubuntu"/>
+                <a:latin typeface="Consolas" panose="020B0609020204030204" pitchFamily="49" charset="0"/>
+                <a:ea typeface="Ubuntu"/>
+                <a:cs typeface="Consolas" panose="020B0609020204030204" pitchFamily="49" charset="0"/>
                 <a:sym typeface="Ubuntu"/>
               </a:rPr>
               <a:t>music.BIRTHDAY</a:t>
             </a:r>
           </a:p>
           <a:p>
-            <a:pPr lvl="0" algn="ctr">
+            <a:pPr lvl="0">
               <a:buClr>
                 <a:srgbClr val="003565"/>
               </a:buClr>
@@ -5234,16 +4607,16 @@
                 <a:solidFill>
                   <a:schemeClr val="tx1"/>
                 </a:solidFill>
-                <a:latin typeface="Century Gothic" panose="020B0502020202020204" pitchFamily="34" charset="0"/>
-                <a:ea typeface="Ubuntu"/>
-                <a:cs typeface="Ubuntu"/>
+                <a:latin typeface="Consolas" panose="020B0609020204030204" pitchFamily="49" charset="0"/>
+                <a:ea typeface="Ubuntu"/>
+                <a:cs typeface="Consolas" panose="020B0609020204030204" pitchFamily="49" charset="0"/>
                 <a:sym typeface="Ubuntu"/>
               </a:rPr>
               <a:t>music.WEDDING</a:t>
             </a:r>
           </a:p>
           <a:p>
-            <a:pPr lvl="0" algn="ctr">
+            <a:pPr lvl="0">
               <a:buClr>
                 <a:srgbClr val="003565"/>
               </a:buClr>
@@ -5254,16 +4627,16 @@
                 <a:solidFill>
                   <a:schemeClr val="tx1"/>
                 </a:solidFill>
-                <a:latin typeface="Century Gothic" panose="020B0502020202020204" pitchFamily="34" charset="0"/>
-                <a:ea typeface="Ubuntu"/>
-                <a:cs typeface="Ubuntu"/>
+                <a:latin typeface="Consolas" panose="020B0609020204030204" pitchFamily="49" charset="0"/>
+                <a:ea typeface="Ubuntu"/>
+                <a:cs typeface="Consolas" panose="020B0609020204030204" pitchFamily="49" charset="0"/>
                 <a:sym typeface="Ubuntu"/>
               </a:rPr>
               <a:t>music.FUNERAL</a:t>
             </a:r>
           </a:p>
           <a:p>
-            <a:pPr lvl="0" algn="ctr">
+            <a:pPr lvl="0">
               <a:buClr>
                 <a:srgbClr val="003565"/>
               </a:buClr>
@@ -5274,16 +4647,16 @@
                 <a:solidFill>
                   <a:schemeClr val="tx1"/>
                 </a:solidFill>
-                <a:latin typeface="Century Gothic" panose="020B0502020202020204" pitchFamily="34" charset="0"/>
-                <a:ea typeface="Ubuntu"/>
-                <a:cs typeface="Ubuntu"/>
+                <a:latin typeface="Consolas" panose="020B0609020204030204" pitchFamily="49" charset="0"/>
+                <a:ea typeface="Ubuntu"/>
+                <a:cs typeface="Consolas" panose="020B0609020204030204" pitchFamily="49" charset="0"/>
                 <a:sym typeface="Ubuntu"/>
               </a:rPr>
               <a:t>music.PUNCHLINE</a:t>
             </a:r>
           </a:p>
           <a:p>
-            <a:pPr lvl="0" algn="ctr">
+            <a:pPr lvl="0">
               <a:buClr>
                 <a:srgbClr val="003565"/>
               </a:buClr>
@@ -5294,16 +4667,16 @@
                 <a:solidFill>
                   <a:schemeClr val="tx1"/>
                 </a:solidFill>
-                <a:latin typeface="Century Gothic" panose="020B0502020202020204" pitchFamily="34" charset="0"/>
-                <a:ea typeface="Ubuntu"/>
-                <a:cs typeface="Ubuntu"/>
+                <a:latin typeface="Consolas" panose="020B0609020204030204" pitchFamily="49" charset="0"/>
+                <a:ea typeface="Ubuntu"/>
+                <a:cs typeface="Consolas" panose="020B0609020204030204" pitchFamily="49" charset="0"/>
                 <a:sym typeface="Ubuntu"/>
               </a:rPr>
               <a:t>music.PYTHON</a:t>
             </a:r>
           </a:p>
           <a:p>
-            <a:pPr lvl="0" algn="ctr">
+            <a:pPr lvl="0">
               <a:buClr>
                 <a:srgbClr val="003565"/>
               </a:buClr>
@@ -5314,16 +4687,16 @@
                 <a:solidFill>
                   <a:schemeClr val="tx1"/>
                 </a:solidFill>
-                <a:latin typeface="Century Gothic" panose="020B0502020202020204" pitchFamily="34" charset="0"/>
-                <a:ea typeface="Ubuntu"/>
-                <a:cs typeface="Ubuntu"/>
+                <a:latin typeface="Consolas" panose="020B0609020204030204" pitchFamily="49" charset="0"/>
+                <a:ea typeface="Ubuntu"/>
+                <a:cs typeface="Consolas" panose="020B0609020204030204" pitchFamily="49" charset="0"/>
                 <a:sym typeface="Ubuntu"/>
               </a:rPr>
               <a:t>music.BADDY</a:t>
             </a:r>
           </a:p>
           <a:p>
-            <a:pPr lvl="0" algn="ctr">
+            <a:pPr lvl="0">
               <a:buClr>
                 <a:srgbClr val="003565"/>
               </a:buClr>
@@ -5334,16 +4707,16 @@
                 <a:solidFill>
                   <a:schemeClr val="tx1"/>
                 </a:solidFill>
-                <a:latin typeface="Century Gothic" panose="020B0502020202020204" pitchFamily="34" charset="0"/>
-                <a:ea typeface="Ubuntu"/>
-                <a:cs typeface="Ubuntu"/>
+                <a:latin typeface="Consolas" panose="020B0609020204030204" pitchFamily="49" charset="0"/>
+                <a:ea typeface="Ubuntu"/>
+                <a:cs typeface="Consolas" panose="020B0609020204030204" pitchFamily="49" charset="0"/>
                 <a:sym typeface="Ubuntu"/>
               </a:rPr>
               <a:t>music.CHASE</a:t>
             </a:r>
           </a:p>
           <a:p>
-            <a:pPr lvl="0" algn="ctr">
+            <a:pPr lvl="0">
               <a:buClr>
                 <a:srgbClr val="003565"/>
               </a:buClr>
@@ -5354,16 +4727,16 @@
                 <a:solidFill>
                   <a:schemeClr val="tx1"/>
                 </a:solidFill>
-                <a:latin typeface="Century Gothic" panose="020B0502020202020204" pitchFamily="34" charset="0"/>
-                <a:ea typeface="Ubuntu"/>
-                <a:cs typeface="Ubuntu"/>
+                <a:latin typeface="Consolas" panose="020B0609020204030204" pitchFamily="49" charset="0"/>
+                <a:ea typeface="Ubuntu"/>
+                <a:cs typeface="Consolas" panose="020B0609020204030204" pitchFamily="49" charset="0"/>
                 <a:sym typeface="Ubuntu"/>
               </a:rPr>
               <a:t>music.BA_DING</a:t>
             </a:r>
           </a:p>
           <a:p>
-            <a:pPr lvl="0" algn="ctr">
+            <a:pPr lvl="0">
               <a:buClr>
                 <a:srgbClr val="003565"/>
               </a:buClr>
@@ -5374,16 +4747,16 @@
                 <a:solidFill>
                   <a:schemeClr val="tx1"/>
                 </a:solidFill>
-                <a:latin typeface="Century Gothic" panose="020B0502020202020204" pitchFamily="34" charset="0"/>
-                <a:ea typeface="Ubuntu"/>
-                <a:cs typeface="Ubuntu"/>
+                <a:latin typeface="Consolas" panose="020B0609020204030204" pitchFamily="49" charset="0"/>
+                <a:ea typeface="Ubuntu"/>
+                <a:cs typeface="Consolas" panose="020B0609020204030204" pitchFamily="49" charset="0"/>
                 <a:sym typeface="Ubuntu"/>
               </a:rPr>
               <a:t>music.WAWAWAWAA</a:t>
             </a:r>
           </a:p>
           <a:p>
-            <a:pPr lvl="0" algn="ctr">
+            <a:pPr lvl="0">
               <a:buClr>
                 <a:srgbClr val="003565"/>
               </a:buClr>
@@ -5394,16 +4767,16 @@
                 <a:solidFill>
                   <a:schemeClr val="tx1"/>
                 </a:solidFill>
-                <a:latin typeface="Century Gothic" panose="020B0502020202020204" pitchFamily="34" charset="0"/>
-                <a:ea typeface="Ubuntu"/>
-                <a:cs typeface="Ubuntu"/>
+                <a:latin typeface="Consolas" panose="020B0609020204030204" pitchFamily="49" charset="0"/>
+                <a:ea typeface="Ubuntu"/>
+                <a:cs typeface="Consolas" panose="020B0609020204030204" pitchFamily="49" charset="0"/>
                 <a:sym typeface="Ubuntu"/>
               </a:rPr>
               <a:t>music.JUMP_UP</a:t>
             </a:r>
           </a:p>
           <a:p>
-            <a:pPr lvl="0" algn="ctr">
+            <a:pPr lvl="0">
               <a:buClr>
                 <a:srgbClr val="003565"/>
               </a:buClr>
@@ -5414,16 +4787,16 @@
                 <a:solidFill>
                   <a:schemeClr val="tx1"/>
                 </a:solidFill>
-                <a:latin typeface="Century Gothic" panose="020B0502020202020204" pitchFamily="34" charset="0"/>
-                <a:ea typeface="Ubuntu"/>
-                <a:cs typeface="Ubuntu"/>
+                <a:latin typeface="Consolas" panose="020B0609020204030204" pitchFamily="49" charset="0"/>
+                <a:ea typeface="Ubuntu"/>
+                <a:cs typeface="Consolas" panose="020B0609020204030204" pitchFamily="49" charset="0"/>
                 <a:sym typeface="Ubuntu"/>
               </a:rPr>
               <a:t>music.JUMP_DOWN</a:t>
             </a:r>
           </a:p>
           <a:p>
-            <a:pPr lvl="0" algn="ctr">
+            <a:pPr lvl="0">
               <a:buClr>
                 <a:srgbClr val="003565"/>
               </a:buClr>
@@ -5434,16 +4807,16 @@
                 <a:solidFill>
                   <a:schemeClr val="tx1"/>
                 </a:solidFill>
-                <a:latin typeface="Century Gothic" panose="020B0502020202020204" pitchFamily="34" charset="0"/>
-                <a:ea typeface="Ubuntu"/>
-                <a:cs typeface="Ubuntu"/>
+                <a:latin typeface="Consolas" panose="020B0609020204030204" pitchFamily="49" charset="0"/>
+                <a:ea typeface="Ubuntu"/>
+                <a:cs typeface="Consolas" panose="020B0609020204030204" pitchFamily="49" charset="0"/>
                 <a:sym typeface="Ubuntu"/>
               </a:rPr>
               <a:t>music.POWER_UP</a:t>
             </a:r>
           </a:p>
           <a:p>
-            <a:pPr lvl="0" algn="ctr">
+            <a:pPr lvl="0">
               <a:buClr>
                 <a:srgbClr val="003565"/>
               </a:buClr>
@@ -5454,9 +4827,9 @@
                 <a:solidFill>
                   <a:schemeClr val="tx1"/>
                 </a:solidFill>
-                <a:latin typeface="Century Gothic" panose="020B0502020202020204" pitchFamily="34" charset="0"/>
-                <a:ea typeface="Ubuntu"/>
-                <a:cs typeface="Ubuntu"/>
+                <a:latin typeface="Consolas" panose="020B0609020204030204" pitchFamily="49" charset="0"/>
+                <a:ea typeface="Ubuntu"/>
+                <a:cs typeface="Consolas" panose="020B0609020204030204" pitchFamily="49" charset="0"/>
                 <a:sym typeface="Ubuntu"/>
               </a:rPr>
               <a:t>music.POWER_DOWN</a:t>
@@ -5495,7 +4868,7 @@
           </a:bodyPr>
           <a:lstStyle/>
           <a:p>
-            <a:pPr lvl="0" algn="ctr">
+            <a:pPr lvl="0">
               <a:buClr>
                 <a:srgbClr val="003565"/>
               </a:buClr>
@@ -5506,64 +4879,12 @@
                 <a:solidFill>
                   <a:schemeClr val="tx1"/>
                 </a:solidFill>
-                <a:latin typeface="Century Gothic" panose="020B0502020202020204" pitchFamily="34" charset="0"/>
+                <a:latin typeface="Atkinson Hyperlegible" pitchFamily="2" charset="0"/>
                 <a:ea typeface="Ubuntu"/>
                 <a:cs typeface="Ubuntu"/>
                 <a:sym typeface="Ubuntu"/>
               </a:rPr>
               <a:t>This is a list of all the built-in melodies, try some of them out.</a:t>
-            </a:r>
-          </a:p>
-        </p:txBody>
-      </p:sp>
-      <p:sp>
-        <p:nvSpPr>
-          <p:cNvPr id="15" name="Shape 169"/>
-          <p:cNvSpPr/>
-          <p:nvPr/>
-        </p:nvSpPr>
-        <p:spPr>
-          <a:xfrm>
-            <a:off x="376038" y="3485382"/>
-            <a:ext cx="5482499" cy="767624"/>
-          </a:xfrm>
-          <a:prstGeom prst="rect">
-            <a:avLst/>
-          </a:prstGeom>
-          <a:noFill/>
-          <a:ln w="28575" cap="flat" cmpd="sng">
-            <a:solidFill>
-              <a:srgbClr val="C00000"/>
-            </a:solidFill>
-            <a:prstDash val="solid"/>
-            <a:round/>
-            <a:headEnd type="none" w="med" len="med"/>
-            <a:tailEnd type="none" w="med" len="med"/>
-          </a:ln>
-        </p:spPr>
-        <p:txBody>
-          <a:bodyPr lIns="91425" tIns="45700" rIns="91425" bIns="45700" anchor="ctr" anchorCtr="0">
-            <a:noAutofit/>
-          </a:bodyPr>
-          <a:lstStyle/>
-          <a:p>
-            <a:pPr lvl="0" algn="ctr">
-              <a:buClr>
-                <a:srgbClr val="003565"/>
-              </a:buClr>
-              <a:buSzPct val="25000"/>
-            </a:pPr>
-            <a:r>
-              <a:rPr lang="en-GB" sz="2000" dirty="0">
-                <a:solidFill>
-                  <a:srgbClr val="C00000"/>
-                </a:solidFill>
-                <a:latin typeface="Century Gothic" panose="020B0502020202020204" pitchFamily="34" charset="0"/>
-                <a:ea typeface="Ubuntu"/>
-                <a:cs typeface="Ubuntu"/>
-                <a:sym typeface="Ubuntu"/>
-              </a:rPr>
-              <a:t>WARNING: Do not put the headphones in your ears as the music will be very loud.</a:t>
             </a:r>
           </a:p>
         </p:txBody>
@@ -5584,7 +4905,7 @@
 </p:sld>
 </file>
 
-<file path=ppt/slides/slide4.xml><?xml version="1.0" encoding="utf-8"?>
+<file path=ppt/slides/slide3.xml><?xml version="1.0" encoding="utf-8"?>
 <p:sld xmlns:a="http://schemas.openxmlformats.org/drawingml/2006/main" xmlns:r="http://schemas.openxmlformats.org/officeDocument/2006/relationships" xmlns:p="http://schemas.openxmlformats.org/presentationml/2006/main">
   <p:cSld>
     <p:spTree>
@@ -5633,7 +4954,9 @@
               <a:buNone/>
             </a:pPr>
             <a:r>
-              <a:rPr lang="en-GB" dirty="0"/>
+              <a:rPr lang="en-GB" dirty="0">
+                <a:latin typeface="Atkinson Hyperlegible" pitchFamily="2" charset="0"/>
+              </a:rPr>
               <a:t>Activity 5.1</a:t>
             </a:r>
           </a:p>
@@ -5670,7 +4993,7 @@
           </a:bodyPr>
           <a:lstStyle/>
           <a:p>
-            <a:pPr lvl="0" algn="ctr">
+            <a:pPr lvl="0">
               <a:buClr>
                 <a:srgbClr val="003565"/>
               </a:buClr>
@@ -5681,7 +5004,7 @@
                 <a:solidFill>
                   <a:schemeClr val="tx1"/>
                 </a:solidFill>
-                <a:latin typeface="Century Gothic" panose="020B0502020202020204" pitchFamily="34" charset="0"/>
+                <a:latin typeface="Atkinson Hyperlegible" pitchFamily="2" charset="0"/>
                 <a:ea typeface="Ubuntu"/>
                 <a:cs typeface="Ubuntu"/>
                 <a:sym typeface="Ubuntu"/>
@@ -5722,7 +5045,7 @@
           </a:bodyPr>
           <a:lstStyle/>
           <a:p>
-            <a:pPr lvl="0" algn="ctr">
+            <a:pPr lvl="0">
               <a:buClr>
                 <a:srgbClr val="003565"/>
               </a:buClr>
@@ -5733,7 +5056,7 @@
                 <a:solidFill>
                   <a:schemeClr val="tx1"/>
                 </a:solidFill>
-                <a:latin typeface="Century Gothic" panose="020B0502020202020204" pitchFamily="34" charset="0"/>
+                <a:latin typeface="Atkinson Hyperlegible" pitchFamily="2" charset="0"/>
                 <a:ea typeface="Ubuntu"/>
                 <a:cs typeface="Ubuntu"/>
                 <a:sym typeface="Ubuntu"/>
@@ -5774,7 +5097,7 @@
           </a:bodyPr>
           <a:lstStyle/>
           <a:p>
-            <a:pPr lvl="0" algn="ctr">
+            <a:pPr lvl="0">
               <a:buClr>
                 <a:srgbClr val="003565"/>
               </a:buClr>
@@ -5784,7 +5107,7 @@
               <a:solidFill>
                 <a:schemeClr val="tx1"/>
               </a:solidFill>
-              <a:latin typeface="Century Gothic" panose="020B0502020202020204" pitchFamily="34" charset="0"/>
+              <a:latin typeface="Atkinson Hyperlegible" pitchFamily="2" charset="0"/>
               <a:ea typeface="Ubuntu"/>
               <a:cs typeface="Ubuntu"/>
               <a:sym typeface="Ubuntu"/>
@@ -5832,7 +5155,7 @@
 </p:sld>
 </file>
 
-<file path=ppt/slides/slide5.xml><?xml version="1.0" encoding="utf-8"?>
+<file path=ppt/slides/slide4.xml><?xml version="1.0" encoding="utf-8"?>
 <p:sld xmlns:a="http://schemas.openxmlformats.org/drawingml/2006/main" xmlns:r="http://schemas.openxmlformats.org/officeDocument/2006/relationships" xmlns:p="http://schemas.openxmlformats.org/presentationml/2006/main">
   <p:cSld>
     <p:spTree>
@@ -5881,7 +5204,9 @@
               <a:buNone/>
             </a:pPr>
             <a:r>
-              <a:rPr lang="en-GB" dirty="0"/>
+              <a:rPr lang="en-GB" dirty="0">
+                <a:latin typeface="Atkinson Hyperlegible" pitchFamily="2" charset="0"/>
+              </a:rPr>
               <a:t>Writing Your Own Melodies</a:t>
             </a:r>
           </a:p>
@@ -5918,7 +5243,7 @@
           </a:bodyPr>
           <a:lstStyle/>
           <a:p>
-            <a:pPr lvl="0" algn="ctr">
+            <a:pPr lvl="0">
               <a:buClr>
                 <a:srgbClr val="003565"/>
               </a:buClr>
@@ -5929,7 +5254,7 @@
                 <a:solidFill>
                   <a:schemeClr val="tx1"/>
                 </a:solidFill>
-                <a:latin typeface="Century Gothic" panose="020B0502020202020204" pitchFamily="34" charset="0"/>
+                <a:latin typeface="Atkinson Hyperlegible" pitchFamily="2" charset="0"/>
                 <a:ea typeface="Ubuntu"/>
                 <a:cs typeface="Ubuntu"/>
                 <a:sym typeface="Ubuntu"/>
@@ -5994,7 +5319,7 @@
           </a:bodyPr>
           <a:lstStyle/>
           <a:p>
-            <a:pPr lvl="0" algn="ctr">
+            <a:pPr lvl="0">
               <a:buClr>
                 <a:srgbClr val="003565"/>
               </a:buClr>
@@ -6005,7 +5330,7 @@
                 <a:solidFill>
                   <a:schemeClr val="tx1"/>
                 </a:solidFill>
-                <a:latin typeface="Century Gothic" panose="020B0502020202020204" pitchFamily="34" charset="0"/>
+                <a:latin typeface="Atkinson Hyperlegible" pitchFamily="2" charset="0"/>
                 <a:ea typeface="Ubuntu"/>
                 <a:cs typeface="Ubuntu"/>
                 <a:sym typeface="Ubuntu"/>
@@ -6046,7 +5371,7 @@
           </a:bodyPr>
           <a:lstStyle/>
           <a:p>
-            <a:pPr lvl="0" algn="ctr">
+            <a:pPr lvl="0">
               <a:buClr>
                 <a:srgbClr val="003565"/>
               </a:buClr>
@@ -6057,7 +5382,7 @@
                 <a:solidFill>
                   <a:schemeClr val="tx1"/>
                 </a:solidFill>
-                <a:latin typeface="Century Gothic" panose="020B0502020202020204" pitchFamily="34" charset="0"/>
+                <a:latin typeface="Atkinson Hyperlegible" pitchFamily="2" charset="0"/>
                 <a:ea typeface="Ubuntu"/>
                 <a:cs typeface="Ubuntu"/>
                 <a:sym typeface="Ubuntu"/>
@@ -6098,7 +5423,7 @@
           </a:bodyPr>
           <a:lstStyle/>
           <a:p>
-            <a:pPr lvl="0" algn="ctr">
+            <a:pPr lvl="0">
               <a:buClr>
                 <a:srgbClr val="003565"/>
               </a:buClr>
@@ -6108,7 +5433,7 @@
               <a:solidFill>
                 <a:schemeClr val="tx1"/>
               </a:solidFill>
-              <a:latin typeface="Century Gothic" panose="020B0502020202020204" pitchFamily="34" charset="0"/>
+              <a:latin typeface="Atkinson Hyperlegible" pitchFamily="2" charset="0"/>
               <a:ea typeface="Ubuntu"/>
               <a:cs typeface="Ubuntu"/>
               <a:sym typeface="Ubuntu"/>
@@ -6147,7 +5472,7 @@
           </a:bodyPr>
           <a:lstStyle/>
           <a:p>
-            <a:pPr lvl="0" algn="ctr">
+            <a:pPr lvl="0">
               <a:buClr>
                 <a:srgbClr val="003565"/>
               </a:buClr>
@@ -6158,7 +5483,7 @@
                 <a:solidFill>
                   <a:schemeClr val="tx1"/>
                 </a:solidFill>
-                <a:latin typeface="Century Gothic" panose="020B0502020202020204" pitchFamily="34" charset="0"/>
+                <a:latin typeface="Atkinson Hyperlegible" pitchFamily="2" charset="0"/>
                 <a:ea typeface="Ubuntu"/>
                 <a:cs typeface="Ubuntu"/>
                 <a:sym typeface="Ubuntu"/>
@@ -6172,6 +5497,791 @@
     <p:extLst>
       <p:ext uri="{BB962C8B-B14F-4D97-AF65-F5344CB8AC3E}">
         <p14:creationId xmlns:p14="http://schemas.microsoft.com/office/powerpoint/2010/main" val="4021052824"/>
+      </p:ext>
+    </p:extLst>
+  </p:cSld>
+  <p:clrMapOvr>
+    <a:masterClrMapping/>
+  </p:clrMapOvr>
+  <p:transition spd="slow">
+    <p:cut/>
+  </p:transition>
+</p:sld>
+</file>
+
+<file path=ppt/slides/slide5.xml><?xml version="1.0" encoding="utf-8"?>
+<p:sld xmlns:a="http://schemas.openxmlformats.org/drawingml/2006/main" xmlns:r="http://schemas.openxmlformats.org/officeDocument/2006/relationships" xmlns:p="http://schemas.openxmlformats.org/presentationml/2006/main">
+  <p:cSld>
+    <p:spTree>
+      <p:nvGrpSpPr>
+        <p:cNvPr id="1" name="Shape 205"/>
+        <p:cNvGrpSpPr/>
+        <p:nvPr/>
+      </p:nvGrpSpPr>
+      <p:grpSpPr>
+        <a:xfrm>
+          <a:off x="0" y="0"/>
+          <a:ext cx="0" cy="0"/>
+          <a:chOff x="0" y="0"/>
+          <a:chExt cx="0" cy="0"/>
+        </a:xfrm>
+      </p:grpSpPr>
+      <p:sp>
+        <p:nvSpPr>
+          <p:cNvPr id="206" name="Shape 206"/>
+          <p:cNvSpPr txBox="1">
+            <a:spLocks noGrp="1"/>
+          </p:cNvSpPr>
+          <p:nvPr>
+            <p:ph type="title"/>
+          </p:nvPr>
+        </p:nvSpPr>
+        <p:spPr>
+          <a:xfrm>
+            <a:off x="175189" y="0"/>
+            <a:ext cx="8229600" cy="683699"/>
+          </a:xfrm>
+          <a:prstGeom prst="rect">
+            <a:avLst/>
+          </a:prstGeom>
+        </p:spPr>
+        <p:txBody>
+          <a:bodyPr lIns="91425" tIns="91425" rIns="91425" bIns="91425" anchor="ctr" anchorCtr="0">
+            <a:noAutofit/>
+          </a:bodyPr>
+          <a:lstStyle/>
+          <a:p>
+            <a:pPr lvl="0" rtl="0">
+              <a:spcBef>
+                <a:spcPts val="0"/>
+              </a:spcBef>
+              <a:buNone/>
+            </a:pPr>
+            <a:r>
+              <a:rPr lang="en-GB" dirty="0">
+                <a:latin typeface="Atkinson Hyperlegible" pitchFamily="2" charset="0"/>
+              </a:rPr>
+              <a:t>Activity 5.2</a:t>
+            </a:r>
+          </a:p>
+        </p:txBody>
+      </p:sp>
+      <p:sp>
+        <p:nvSpPr>
+          <p:cNvPr id="15" name="Shape 169"/>
+          <p:cNvSpPr/>
+          <p:nvPr/>
+        </p:nvSpPr>
+        <p:spPr>
+          <a:xfrm>
+            <a:off x="376041" y="983259"/>
+            <a:ext cx="8391900" cy="1217682"/>
+          </a:xfrm>
+          <a:prstGeom prst="rect">
+            <a:avLst/>
+          </a:prstGeom>
+          <a:noFill/>
+          <a:ln w="28575" cap="flat" cmpd="sng">
+            <a:solidFill>
+              <a:srgbClr val="62C6E8"/>
+            </a:solidFill>
+            <a:prstDash val="solid"/>
+            <a:round/>
+            <a:headEnd type="none" w="med" len="med"/>
+            <a:tailEnd type="none" w="med" len="med"/>
+          </a:ln>
+        </p:spPr>
+        <p:txBody>
+          <a:bodyPr lIns="91425" tIns="45700" rIns="91425" bIns="45700" anchor="ctr" anchorCtr="0">
+            <a:noAutofit/>
+          </a:bodyPr>
+          <a:lstStyle/>
+          <a:p>
+            <a:pPr lvl="0">
+              <a:buClr>
+                <a:srgbClr val="003565"/>
+              </a:buClr>
+              <a:buSzPct val="25000"/>
+            </a:pPr>
+            <a:r>
+              <a:rPr lang="en-GB" sz="2000" dirty="0">
+                <a:solidFill>
+                  <a:schemeClr val="tx1"/>
+                </a:solidFill>
+                <a:latin typeface="Atkinson Hyperlegible" pitchFamily="2" charset="0"/>
+                <a:ea typeface="Ubuntu"/>
+                <a:cs typeface="Ubuntu"/>
+                <a:sym typeface="Ubuntu"/>
+              </a:rPr>
+              <a:t>Here are the notes that make up the melody for Twinkle </a:t>
+            </a:r>
+            <a:r>
+              <a:rPr lang="en-GB" sz="2000" dirty="0" err="1">
+                <a:solidFill>
+                  <a:schemeClr val="tx1"/>
+                </a:solidFill>
+                <a:latin typeface="Atkinson Hyperlegible" pitchFamily="2" charset="0"/>
+                <a:ea typeface="Ubuntu"/>
+                <a:cs typeface="Ubuntu"/>
+                <a:sym typeface="Ubuntu"/>
+              </a:rPr>
+              <a:t>Twinkle</a:t>
+            </a:r>
+            <a:r>
+              <a:rPr lang="en-GB" sz="2000" dirty="0">
+                <a:solidFill>
+                  <a:schemeClr val="tx1"/>
+                </a:solidFill>
+                <a:latin typeface="Atkinson Hyperlegible" pitchFamily="2" charset="0"/>
+                <a:ea typeface="Ubuntu"/>
+                <a:cs typeface="Ubuntu"/>
+                <a:sym typeface="Ubuntu"/>
+              </a:rPr>
+              <a:t> Little Star. Create a program to play the melody on the micro:bit. Use 4 as the octave and 4 as the duration of each note. (The last note of each line should be twice as long as the others. Can you work out how to do that?)</a:t>
+            </a:r>
+          </a:p>
+        </p:txBody>
+      </p:sp>
+      <p:sp>
+        <p:nvSpPr>
+          <p:cNvPr id="16" name="Shape 169"/>
+          <p:cNvSpPr/>
+          <p:nvPr/>
+        </p:nvSpPr>
+        <p:spPr>
+          <a:xfrm>
+            <a:off x="2987749" y="2360428"/>
+            <a:ext cx="5780192" cy="3923414"/>
+          </a:xfrm>
+          <a:prstGeom prst="rect">
+            <a:avLst/>
+          </a:prstGeom>
+          <a:noFill/>
+          <a:ln w="28575" cap="flat" cmpd="sng">
+            <a:solidFill>
+              <a:srgbClr val="62C6E8"/>
+            </a:solidFill>
+            <a:prstDash val="solid"/>
+            <a:round/>
+            <a:headEnd type="none" w="med" len="med"/>
+            <a:tailEnd type="none" w="med" len="med"/>
+          </a:ln>
+        </p:spPr>
+        <p:txBody>
+          <a:bodyPr lIns="91425" tIns="45700" rIns="91425" bIns="45700" anchor="ctr" anchorCtr="0">
+            <a:noAutofit/>
+          </a:bodyPr>
+          <a:lstStyle/>
+          <a:p>
+            <a:pPr lvl="0">
+              <a:buClr>
+                <a:srgbClr val="003565"/>
+              </a:buClr>
+              <a:buSzPct val="25000"/>
+            </a:pPr>
+            <a:r>
+              <a:rPr lang="en-GB" sz="2000" dirty="0">
+                <a:solidFill>
+                  <a:schemeClr val="tx1"/>
+                </a:solidFill>
+                <a:latin typeface="Atkinson Hyperlegible" pitchFamily="2" charset="0"/>
+                <a:ea typeface="Ubuntu"/>
+                <a:cs typeface="Ubuntu"/>
+                <a:sym typeface="Ubuntu"/>
+              </a:rPr>
+              <a:t>Place a screenshot of your code here.</a:t>
+            </a:r>
+          </a:p>
+        </p:txBody>
+      </p:sp>
+      <p:sp>
+        <p:nvSpPr>
+          <p:cNvPr id="6" name="Shape 169"/>
+          <p:cNvSpPr/>
+          <p:nvPr/>
+        </p:nvSpPr>
+        <p:spPr>
+          <a:xfrm>
+            <a:off x="376042" y="2360428"/>
+            <a:ext cx="2420322" cy="2190307"/>
+          </a:xfrm>
+          <a:prstGeom prst="rect">
+            <a:avLst/>
+          </a:prstGeom>
+          <a:noFill/>
+          <a:ln w="28575" cap="flat" cmpd="sng">
+            <a:solidFill>
+              <a:srgbClr val="62C6E8"/>
+            </a:solidFill>
+            <a:prstDash val="solid"/>
+            <a:round/>
+            <a:headEnd type="none" w="med" len="med"/>
+            <a:tailEnd type="none" w="med" len="med"/>
+          </a:ln>
+        </p:spPr>
+        <p:txBody>
+          <a:bodyPr lIns="91425" tIns="45700" rIns="91425" bIns="45700" anchor="ctr" anchorCtr="0">
+            <a:noAutofit/>
+          </a:bodyPr>
+          <a:lstStyle/>
+          <a:p>
+            <a:pPr lvl="0">
+              <a:buClr>
+                <a:srgbClr val="003565"/>
+              </a:buClr>
+              <a:buSzPct val="25000"/>
+            </a:pPr>
+            <a:r>
+              <a:rPr lang="en-GB" sz="2000" dirty="0">
+                <a:solidFill>
+                  <a:schemeClr val="tx1"/>
+                </a:solidFill>
+                <a:latin typeface="Atkinson Hyperlegible" pitchFamily="2" charset="0"/>
+                <a:ea typeface="Ubuntu"/>
+                <a:cs typeface="Ubuntu"/>
+                <a:sym typeface="Ubuntu"/>
+              </a:rPr>
+              <a:t>C </a:t>
+            </a:r>
+            <a:r>
+              <a:rPr lang="en-GB" sz="2000" dirty="0" err="1">
+                <a:solidFill>
+                  <a:schemeClr val="tx1"/>
+                </a:solidFill>
+                <a:latin typeface="Atkinson Hyperlegible" pitchFamily="2" charset="0"/>
+                <a:ea typeface="Ubuntu"/>
+                <a:cs typeface="Ubuntu"/>
+                <a:sym typeface="Ubuntu"/>
+              </a:rPr>
+              <a:t>C</a:t>
+            </a:r>
+            <a:r>
+              <a:rPr lang="en-GB" sz="2000" dirty="0">
+                <a:solidFill>
+                  <a:schemeClr val="tx1"/>
+                </a:solidFill>
+                <a:latin typeface="Atkinson Hyperlegible" pitchFamily="2" charset="0"/>
+                <a:ea typeface="Ubuntu"/>
+                <a:cs typeface="Ubuntu"/>
+                <a:sym typeface="Ubuntu"/>
+              </a:rPr>
+              <a:t> G </a:t>
+            </a:r>
+            <a:r>
+              <a:rPr lang="en-GB" sz="2000" dirty="0" err="1">
+                <a:solidFill>
+                  <a:schemeClr val="tx1"/>
+                </a:solidFill>
+                <a:latin typeface="Atkinson Hyperlegible" pitchFamily="2" charset="0"/>
+                <a:ea typeface="Ubuntu"/>
+                <a:cs typeface="Ubuntu"/>
+                <a:sym typeface="Ubuntu"/>
+              </a:rPr>
+              <a:t>G</a:t>
+            </a:r>
+            <a:r>
+              <a:rPr lang="en-GB" sz="2000" dirty="0">
+                <a:solidFill>
+                  <a:schemeClr val="tx1"/>
+                </a:solidFill>
+                <a:latin typeface="Atkinson Hyperlegible" pitchFamily="2" charset="0"/>
+                <a:ea typeface="Ubuntu"/>
+                <a:cs typeface="Ubuntu"/>
+                <a:sym typeface="Ubuntu"/>
+              </a:rPr>
+              <a:t> A </a:t>
+            </a:r>
+            <a:r>
+              <a:rPr lang="en-GB" sz="2000" dirty="0" err="1">
+                <a:solidFill>
+                  <a:schemeClr val="tx1"/>
+                </a:solidFill>
+                <a:latin typeface="Atkinson Hyperlegible" pitchFamily="2" charset="0"/>
+                <a:ea typeface="Ubuntu"/>
+                <a:cs typeface="Ubuntu"/>
+                <a:sym typeface="Ubuntu"/>
+              </a:rPr>
+              <a:t>A</a:t>
+            </a:r>
+            <a:r>
+              <a:rPr lang="en-GB" sz="2000" dirty="0">
+                <a:solidFill>
+                  <a:schemeClr val="tx1"/>
+                </a:solidFill>
+                <a:latin typeface="Atkinson Hyperlegible" pitchFamily="2" charset="0"/>
+                <a:ea typeface="Ubuntu"/>
+                <a:cs typeface="Ubuntu"/>
+                <a:sym typeface="Ubuntu"/>
+              </a:rPr>
+              <a:t> G</a:t>
+            </a:r>
+          </a:p>
+          <a:p>
+            <a:pPr lvl="0">
+              <a:buClr>
+                <a:srgbClr val="003565"/>
+              </a:buClr>
+              <a:buSzPct val="25000"/>
+            </a:pPr>
+            <a:r>
+              <a:rPr lang="en-GB" sz="2000" dirty="0">
+                <a:solidFill>
+                  <a:schemeClr val="tx1"/>
+                </a:solidFill>
+                <a:latin typeface="Atkinson Hyperlegible" pitchFamily="2" charset="0"/>
+                <a:ea typeface="Ubuntu"/>
+                <a:cs typeface="Ubuntu"/>
+                <a:sym typeface="Ubuntu"/>
+              </a:rPr>
+              <a:t>F </a:t>
+            </a:r>
+            <a:r>
+              <a:rPr lang="en-GB" sz="2000" dirty="0" err="1">
+                <a:solidFill>
+                  <a:schemeClr val="tx1"/>
+                </a:solidFill>
+                <a:latin typeface="Atkinson Hyperlegible" pitchFamily="2" charset="0"/>
+                <a:ea typeface="Ubuntu"/>
+                <a:cs typeface="Ubuntu"/>
+                <a:sym typeface="Ubuntu"/>
+              </a:rPr>
+              <a:t>F</a:t>
+            </a:r>
+            <a:r>
+              <a:rPr lang="en-GB" sz="2000" dirty="0">
+                <a:solidFill>
+                  <a:schemeClr val="tx1"/>
+                </a:solidFill>
+                <a:latin typeface="Atkinson Hyperlegible" pitchFamily="2" charset="0"/>
+                <a:ea typeface="Ubuntu"/>
+                <a:cs typeface="Ubuntu"/>
+                <a:sym typeface="Ubuntu"/>
+              </a:rPr>
+              <a:t> E </a:t>
+            </a:r>
+            <a:r>
+              <a:rPr lang="en-GB" sz="2000" dirty="0" err="1">
+                <a:solidFill>
+                  <a:schemeClr val="tx1"/>
+                </a:solidFill>
+                <a:latin typeface="Atkinson Hyperlegible" pitchFamily="2" charset="0"/>
+                <a:ea typeface="Ubuntu"/>
+                <a:cs typeface="Ubuntu"/>
+                <a:sym typeface="Ubuntu"/>
+              </a:rPr>
+              <a:t>E</a:t>
+            </a:r>
+            <a:r>
+              <a:rPr lang="en-GB" sz="2000" dirty="0">
+                <a:solidFill>
+                  <a:schemeClr val="tx1"/>
+                </a:solidFill>
+                <a:latin typeface="Atkinson Hyperlegible" pitchFamily="2" charset="0"/>
+                <a:ea typeface="Ubuntu"/>
+                <a:cs typeface="Ubuntu"/>
+                <a:sym typeface="Ubuntu"/>
+              </a:rPr>
+              <a:t> D </a:t>
+            </a:r>
+            <a:r>
+              <a:rPr lang="en-GB" sz="2000" dirty="0" err="1">
+                <a:solidFill>
+                  <a:schemeClr val="tx1"/>
+                </a:solidFill>
+                <a:latin typeface="Atkinson Hyperlegible" pitchFamily="2" charset="0"/>
+                <a:ea typeface="Ubuntu"/>
+                <a:cs typeface="Ubuntu"/>
+                <a:sym typeface="Ubuntu"/>
+              </a:rPr>
+              <a:t>D</a:t>
+            </a:r>
+            <a:r>
+              <a:rPr lang="en-GB" sz="2000" dirty="0">
+                <a:solidFill>
+                  <a:schemeClr val="tx1"/>
+                </a:solidFill>
+                <a:latin typeface="Atkinson Hyperlegible" pitchFamily="2" charset="0"/>
+                <a:ea typeface="Ubuntu"/>
+                <a:cs typeface="Ubuntu"/>
+                <a:sym typeface="Ubuntu"/>
+              </a:rPr>
+              <a:t> C </a:t>
+            </a:r>
+          </a:p>
+          <a:p>
+            <a:pPr lvl="0">
+              <a:buClr>
+                <a:srgbClr val="003565"/>
+              </a:buClr>
+              <a:buSzPct val="25000"/>
+            </a:pPr>
+            <a:r>
+              <a:rPr lang="en-GB" sz="2000" dirty="0">
+                <a:solidFill>
+                  <a:schemeClr val="tx1"/>
+                </a:solidFill>
+                <a:latin typeface="Atkinson Hyperlegible" pitchFamily="2" charset="0"/>
+                <a:ea typeface="Ubuntu"/>
+                <a:cs typeface="Ubuntu"/>
+                <a:sym typeface="Ubuntu"/>
+              </a:rPr>
+              <a:t>G </a:t>
+            </a:r>
+            <a:r>
+              <a:rPr lang="en-GB" sz="2000" dirty="0" err="1">
+                <a:solidFill>
+                  <a:schemeClr val="tx1"/>
+                </a:solidFill>
+                <a:latin typeface="Atkinson Hyperlegible" pitchFamily="2" charset="0"/>
+                <a:ea typeface="Ubuntu"/>
+                <a:cs typeface="Ubuntu"/>
+                <a:sym typeface="Ubuntu"/>
+              </a:rPr>
+              <a:t>G</a:t>
+            </a:r>
+            <a:r>
+              <a:rPr lang="en-GB" sz="2000" dirty="0">
+                <a:solidFill>
+                  <a:schemeClr val="tx1"/>
+                </a:solidFill>
+                <a:latin typeface="Atkinson Hyperlegible" pitchFamily="2" charset="0"/>
+                <a:ea typeface="Ubuntu"/>
+                <a:cs typeface="Ubuntu"/>
+                <a:sym typeface="Ubuntu"/>
+              </a:rPr>
+              <a:t> F </a:t>
+            </a:r>
+            <a:r>
+              <a:rPr lang="en-GB" sz="2000" dirty="0" err="1">
+                <a:solidFill>
+                  <a:schemeClr val="tx1"/>
+                </a:solidFill>
+                <a:latin typeface="Atkinson Hyperlegible" pitchFamily="2" charset="0"/>
+                <a:ea typeface="Ubuntu"/>
+                <a:cs typeface="Ubuntu"/>
+                <a:sym typeface="Ubuntu"/>
+              </a:rPr>
+              <a:t>F</a:t>
+            </a:r>
+            <a:r>
+              <a:rPr lang="en-GB" sz="2000" dirty="0">
+                <a:solidFill>
+                  <a:schemeClr val="tx1"/>
+                </a:solidFill>
+                <a:latin typeface="Atkinson Hyperlegible" pitchFamily="2" charset="0"/>
+                <a:ea typeface="Ubuntu"/>
+                <a:cs typeface="Ubuntu"/>
+                <a:sym typeface="Ubuntu"/>
+              </a:rPr>
+              <a:t> E </a:t>
+            </a:r>
+            <a:r>
+              <a:rPr lang="en-GB" sz="2000" dirty="0" err="1">
+                <a:solidFill>
+                  <a:schemeClr val="tx1"/>
+                </a:solidFill>
+                <a:latin typeface="Atkinson Hyperlegible" pitchFamily="2" charset="0"/>
+                <a:ea typeface="Ubuntu"/>
+                <a:cs typeface="Ubuntu"/>
+                <a:sym typeface="Ubuntu"/>
+              </a:rPr>
+              <a:t>E</a:t>
+            </a:r>
+            <a:r>
+              <a:rPr lang="en-GB" sz="2000" dirty="0">
+                <a:solidFill>
+                  <a:schemeClr val="tx1"/>
+                </a:solidFill>
+                <a:latin typeface="Atkinson Hyperlegible" pitchFamily="2" charset="0"/>
+                <a:ea typeface="Ubuntu"/>
+                <a:cs typeface="Ubuntu"/>
+                <a:sym typeface="Ubuntu"/>
+              </a:rPr>
+              <a:t> D</a:t>
+            </a:r>
+          </a:p>
+          <a:p>
+            <a:pPr lvl="0">
+              <a:buClr>
+                <a:srgbClr val="003565"/>
+              </a:buClr>
+              <a:buSzPct val="25000"/>
+            </a:pPr>
+            <a:r>
+              <a:rPr lang="en-GB" sz="2000" dirty="0">
+                <a:solidFill>
+                  <a:schemeClr val="tx1"/>
+                </a:solidFill>
+                <a:latin typeface="Atkinson Hyperlegible" pitchFamily="2" charset="0"/>
+                <a:ea typeface="Ubuntu"/>
+                <a:cs typeface="Ubuntu"/>
+                <a:sym typeface="Ubuntu"/>
+              </a:rPr>
+              <a:t>G </a:t>
+            </a:r>
+            <a:r>
+              <a:rPr lang="en-GB" sz="2000" dirty="0" err="1">
+                <a:solidFill>
+                  <a:schemeClr val="tx1"/>
+                </a:solidFill>
+                <a:latin typeface="Atkinson Hyperlegible" pitchFamily="2" charset="0"/>
+                <a:ea typeface="Ubuntu"/>
+                <a:cs typeface="Ubuntu"/>
+                <a:sym typeface="Ubuntu"/>
+              </a:rPr>
+              <a:t>G</a:t>
+            </a:r>
+            <a:r>
+              <a:rPr lang="en-GB" sz="2000" dirty="0">
+                <a:solidFill>
+                  <a:schemeClr val="tx1"/>
+                </a:solidFill>
+                <a:latin typeface="Atkinson Hyperlegible" pitchFamily="2" charset="0"/>
+                <a:ea typeface="Ubuntu"/>
+                <a:cs typeface="Ubuntu"/>
+                <a:sym typeface="Ubuntu"/>
+              </a:rPr>
+              <a:t> F </a:t>
+            </a:r>
+            <a:r>
+              <a:rPr lang="en-GB" sz="2000" dirty="0" err="1">
+                <a:solidFill>
+                  <a:schemeClr val="tx1"/>
+                </a:solidFill>
+                <a:latin typeface="Atkinson Hyperlegible" pitchFamily="2" charset="0"/>
+                <a:ea typeface="Ubuntu"/>
+                <a:cs typeface="Ubuntu"/>
+                <a:sym typeface="Ubuntu"/>
+              </a:rPr>
+              <a:t>F</a:t>
+            </a:r>
+            <a:r>
+              <a:rPr lang="en-GB" sz="2000" dirty="0">
+                <a:solidFill>
+                  <a:schemeClr val="tx1"/>
+                </a:solidFill>
+                <a:latin typeface="Atkinson Hyperlegible" pitchFamily="2" charset="0"/>
+                <a:ea typeface="Ubuntu"/>
+                <a:cs typeface="Ubuntu"/>
+                <a:sym typeface="Ubuntu"/>
+              </a:rPr>
+              <a:t> E </a:t>
+            </a:r>
+            <a:r>
+              <a:rPr lang="en-GB" sz="2000" dirty="0" err="1">
+                <a:solidFill>
+                  <a:schemeClr val="tx1"/>
+                </a:solidFill>
+                <a:latin typeface="Atkinson Hyperlegible" pitchFamily="2" charset="0"/>
+                <a:ea typeface="Ubuntu"/>
+                <a:cs typeface="Ubuntu"/>
+                <a:sym typeface="Ubuntu"/>
+              </a:rPr>
+              <a:t>E</a:t>
+            </a:r>
+            <a:r>
+              <a:rPr lang="en-GB" sz="2000" dirty="0">
+                <a:solidFill>
+                  <a:schemeClr val="tx1"/>
+                </a:solidFill>
+                <a:latin typeface="Atkinson Hyperlegible" pitchFamily="2" charset="0"/>
+                <a:ea typeface="Ubuntu"/>
+                <a:cs typeface="Ubuntu"/>
+                <a:sym typeface="Ubuntu"/>
+              </a:rPr>
+              <a:t> D</a:t>
+            </a:r>
+          </a:p>
+          <a:p>
+            <a:pPr lvl="0">
+              <a:buClr>
+                <a:srgbClr val="003565"/>
+              </a:buClr>
+              <a:buSzPct val="25000"/>
+            </a:pPr>
+            <a:r>
+              <a:rPr lang="en-GB" sz="2000" dirty="0">
+                <a:solidFill>
+                  <a:schemeClr val="tx1"/>
+                </a:solidFill>
+                <a:latin typeface="Atkinson Hyperlegible" pitchFamily="2" charset="0"/>
+                <a:ea typeface="Ubuntu"/>
+                <a:cs typeface="Ubuntu"/>
+                <a:sym typeface="Ubuntu"/>
+              </a:rPr>
+              <a:t>C </a:t>
+            </a:r>
+            <a:r>
+              <a:rPr lang="en-GB" sz="2000" dirty="0" err="1">
+                <a:solidFill>
+                  <a:schemeClr val="tx1"/>
+                </a:solidFill>
+                <a:latin typeface="Atkinson Hyperlegible" pitchFamily="2" charset="0"/>
+                <a:ea typeface="Ubuntu"/>
+                <a:cs typeface="Ubuntu"/>
+                <a:sym typeface="Ubuntu"/>
+              </a:rPr>
+              <a:t>C</a:t>
+            </a:r>
+            <a:r>
+              <a:rPr lang="en-GB" sz="2000" dirty="0">
+                <a:solidFill>
+                  <a:schemeClr val="tx1"/>
+                </a:solidFill>
+                <a:latin typeface="Atkinson Hyperlegible" pitchFamily="2" charset="0"/>
+                <a:ea typeface="Ubuntu"/>
+                <a:cs typeface="Ubuntu"/>
+                <a:sym typeface="Ubuntu"/>
+              </a:rPr>
+              <a:t> G </a:t>
+            </a:r>
+            <a:r>
+              <a:rPr lang="en-GB" sz="2000" dirty="0" err="1">
+                <a:solidFill>
+                  <a:schemeClr val="tx1"/>
+                </a:solidFill>
+                <a:latin typeface="Atkinson Hyperlegible" pitchFamily="2" charset="0"/>
+                <a:ea typeface="Ubuntu"/>
+                <a:cs typeface="Ubuntu"/>
+                <a:sym typeface="Ubuntu"/>
+              </a:rPr>
+              <a:t>G</a:t>
+            </a:r>
+            <a:r>
+              <a:rPr lang="en-GB" sz="2000" dirty="0">
+                <a:solidFill>
+                  <a:schemeClr val="tx1"/>
+                </a:solidFill>
+                <a:latin typeface="Atkinson Hyperlegible" pitchFamily="2" charset="0"/>
+                <a:ea typeface="Ubuntu"/>
+                <a:cs typeface="Ubuntu"/>
+                <a:sym typeface="Ubuntu"/>
+              </a:rPr>
+              <a:t> A </a:t>
+            </a:r>
+            <a:r>
+              <a:rPr lang="en-GB" sz="2000" dirty="0" err="1">
+                <a:solidFill>
+                  <a:schemeClr val="tx1"/>
+                </a:solidFill>
+                <a:latin typeface="Atkinson Hyperlegible" pitchFamily="2" charset="0"/>
+                <a:ea typeface="Ubuntu"/>
+                <a:cs typeface="Ubuntu"/>
+                <a:sym typeface="Ubuntu"/>
+              </a:rPr>
+              <a:t>A</a:t>
+            </a:r>
+            <a:r>
+              <a:rPr lang="en-GB" sz="2000" dirty="0">
+                <a:solidFill>
+                  <a:schemeClr val="tx1"/>
+                </a:solidFill>
+                <a:latin typeface="Atkinson Hyperlegible" pitchFamily="2" charset="0"/>
+                <a:ea typeface="Ubuntu"/>
+                <a:cs typeface="Ubuntu"/>
+                <a:sym typeface="Ubuntu"/>
+              </a:rPr>
+              <a:t> G</a:t>
+            </a:r>
+          </a:p>
+          <a:p>
+            <a:pPr lvl="0">
+              <a:buClr>
+                <a:srgbClr val="003565"/>
+              </a:buClr>
+              <a:buSzPct val="25000"/>
+            </a:pPr>
+            <a:r>
+              <a:rPr lang="en-GB" sz="2000" dirty="0">
+                <a:solidFill>
+                  <a:schemeClr val="tx1"/>
+                </a:solidFill>
+                <a:latin typeface="Atkinson Hyperlegible" pitchFamily="2" charset="0"/>
+                <a:ea typeface="Ubuntu"/>
+                <a:cs typeface="Ubuntu"/>
+                <a:sym typeface="Ubuntu"/>
+              </a:rPr>
+              <a:t>F </a:t>
+            </a:r>
+            <a:r>
+              <a:rPr lang="en-GB" sz="2000" dirty="0" err="1">
+                <a:solidFill>
+                  <a:schemeClr val="tx1"/>
+                </a:solidFill>
+                <a:latin typeface="Atkinson Hyperlegible" pitchFamily="2" charset="0"/>
+                <a:ea typeface="Ubuntu"/>
+                <a:cs typeface="Ubuntu"/>
+                <a:sym typeface="Ubuntu"/>
+              </a:rPr>
+              <a:t>F</a:t>
+            </a:r>
+            <a:r>
+              <a:rPr lang="en-GB" sz="2000" dirty="0">
+                <a:solidFill>
+                  <a:schemeClr val="tx1"/>
+                </a:solidFill>
+                <a:latin typeface="Atkinson Hyperlegible" pitchFamily="2" charset="0"/>
+                <a:ea typeface="Ubuntu"/>
+                <a:cs typeface="Ubuntu"/>
+                <a:sym typeface="Ubuntu"/>
+              </a:rPr>
+              <a:t> E </a:t>
+            </a:r>
+            <a:r>
+              <a:rPr lang="en-GB" sz="2000" dirty="0" err="1">
+                <a:solidFill>
+                  <a:schemeClr val="tx1"/>
+                </a:solidFill>
+                <a:latin typeface="Atkinson Hyperlegible" pitchFamily="2" charset="0"/>
+                <a:ea typeface="Ubuntu"/>
+                <a:cs typeface="Ubuntu"/>
+                <a:sym typeface="Ubuntu"/>
+              </a:rPr>
+              <a:t>E</a:t>
+            </a:r>
+            <a:r>
+              <a:rPr lang="en-GB" sz="2000" dirty="0">
+                <a:solidFill>
+                  <a:schemeClr val="tx1"/>
+                </a:solidFill>
+                <a:latin typeface="Atkinson Hyperlegible" pitchFamily="2" charset="0"/>
+                <a:ea typeface="Ubuntu"/>
+                <a:cs typeface="Ubuntu"/>
+                <a:sym typeface="Ubuntu"/>
+              </a:rPr>
+              <a:t> D </a:t>
+            </a:r>
+            <a:r>
+              <a:rPr lang="en-GB" sz="2000" dirty="0" err="1">
+                <a:solidFill>
+                  <a:schemeClr val="tx1"/>
+                </a:solidFill>
+                <a:latin typeface="Atkinson Hyperlegible" pitchFamily="2" charset="0"/>
+                <a:ea typeface="Ubuntu"/>
+                <a:cs typeface="Ubuntu"/>
+                <a:sym typeface="Ubuntu"/>
+              </a:rPr>
+              <a:t>D</a:t>
+            </a:r>
+            <a:r>
+              <a:rPr lang="en-GB" sz="2000" dirty="0">
+                <a:solidFill>
+                  <a:schemeClr val="tx1"/>
+                </a:solidFill>
+                <a:latin typeface="Atkinson Hyperlegible" pitchFamily="2" charset="0"/>
+                <a:ea typeface="Ubuntu"/>
+                <a:cs typeface="Ubuntu"/>
+                <a:sym typeface="Ubuntu"/>
+              </a:rPr>
+              <a:t> C</a:t>
+            </a:r>
+          </a:p>
+        </p:txBody>
+      </p:sp>
+    </p:spTree>
+    <p:extLst>
+      <p:ext uri="{BB962C8B-B14F-4D97-AF65-F5344CB8AC3E}">
+        <p14:creationId xmlns:p14="http://schemas.microsoft.com/office/powerpoint/2010/main" val="2613772710"/>
       </p:ext>
     </p:extLst>
   </p:cSld>
@@ -6233,790 +6343,9 @@
               <a:buNone/>
             </a:pPr>
             <a:r>
-              <a:rPr lang="en-GB" dirty="0"/>
-              <a:t>Activity 5.2</a:t>
-            </a:r>
-          </a:p>
-        </p:txBody>
-      </p:sp>
-      <p:sp>
-        <p:nvSpPr>
-          <p:cNvPr id="15" name="Shape 169"/>
-          <p:cNvSpPr/>
-          <p:nvPr/>
-        </p:nvSpPr>
-        <p:spPr>
-          <a:xfrm>
-            <a:off x="376041" y="983259"/>
-            <a:ext cx="8391900" cy="1217682"/>
-          </a:xfrm>
-          <a:prstGeom prst="rect">
-            <a:avLst/>
-          </a:prstGeom>
-          <a:noFill/>
-          <a:ln w="28575" cap="flat" cmpd="sng">
-            <a:solidFill>
-              <a:srgbClr val="62C6E8"/>
-            </a:solidFill>
-            <a:prstDash val="solid"/>
-            <a:round/>
-            <a:headEnd type="none" w="med" len="med"/>
-            <a:tailEnd type="none" w="med" len="med"/>
-          </a:ln>
-        </p:spPr>
-        <p:txBody>
-          <a:bodyPr lIns="91425" tIns="45700" rIns="91425" bIns="45700" anchor="ctr" anchorCtr="0">
-            <a:noAutofit/>
-          </a:bodyPr>
-          <a:lstStyle/>
-          <a:p>
-            <a:pPr lvl="0" algn="ctr">
-              <a:buClr>
-                <a:srgbClr val="003565"/>
-              </a:buClr>
-              <a:buSzPct val="25000"/>
-            </a:pPr>
-            <a:r>
-              <a:rPr lang="en-GB" sz="2000" dirty="0">
-                <a:solidFill>
-                  <a:schemeClr val="tx1"/>
-                </a:solidFill>
-                <a:latin typeface="Century Gothic" panose="020B0502020202020204" pitchFamily="34" charset="0"/>
-                <a:ea typeface="Ubuntu"/>
-                <a:cs typeface="Ubuntu"/>
-                <a:sym typeface="Ubuntu"/>
-              </a:rPr>
-              <a:t>Here are the notes that make up the melody for Twinkle </a:t>
-            </a:r>
-            <a:r>
-              <a:rPr lang="en-GB" sz="2000" dirty="0" err="1">
-                <a:solidFill>
-                  <a:schemeClr val="tx1"/>
-                </a:solidFill>
-                <a:latin typeface="Century Gothic" panose="020B0502020202020204" pitchFamily="34" charset="0"/>
-                <a:ea typeface="Ubuntu"/>
-                <a:cs typeface="Ubuntu"/>
-                <a:sym typeface="Ubuntu"/>
-              </a:rPr>
-              <a:t>Twinkle</a:t>
-            </a:r>
-            <a:r>
-              <a:rPr lang="en-GB" sz="2000" dirty="0">
-                <a:solidFill>
-                  <a:schemeClr val="tx1"/>
-                </a:solidFill>
-                <a:latin typeface="Century Gothic" panose="020B0502020202020204" pitchFamily="34" charset="0"/>
-                <a:ea typeface="Ubuntu"/>
-                <a:cs typeface="Ubuntu"/>
-                <a:sym typeface="Ubuntu"/>
-              </a:rPr>
-              <a:t> Little Star. Create a program to play the melody on the micro:bit. Use 4 as the octave and duration of each note.</a:t>
-            </a:r>
-          </a:p>
-        </p:txBody>
-      </p:sp>
-      <p:sp>
-        <p:nvSpPr>
-          <p:cNvPr id="16" name="Shape 169"/>
-          <p:cNvSpPr/>
-          <p:nvPr/>
-        </p:nvSpPr>
-        <p:spPr>
-          <a:xfrm>
-            <a:off x="2987749" y="2360428"/>
-            <a:ext cx="5780192" cy="3923414"/>
-          </a:xfrm>
-          <a:prstGeom prst="rect">
-            <a:avLst/>
-          </a:prstGeom>
-          <a:noFill/>
-          <a:ln w="28575" cap="flat" cmpd="sng">
-            <a:solidFill>
-              <a:srgbClr val="62C6E8"/>
-            </a:solidFill>
-            <a:prstDash val="solid"/>
-            <a:round/>
-            <a:headEnd type="none" w="med" len="med"/>
-            <a:tailEnd type="none" w="med" len="med"/>
-          </a:ln>
-        </p:spPr>
-        <p:txBody>
-          <a:bodyPr lIns="91425" tIns="45700" rIns="91425" bIns="45700" anchor="ctr" anchorCtr="0">
-            <a:noAutofit/>
-          </a:bodyPr>
-          <a:lstStyle/>
-          <a:p>
-            <a:pPr lvl="0" algn="ctr">
-              <a:buClr>
-                <a:srgbClr val="003565"/>
-              </a:buClr>
-              <a:buSzPct val="25000"/>
-            </a:pPr>
-            <a:r>
-              <a:rPr lang="en-GB" sz="2000" dirty="0">
-                <a:solidFill>
-                  <a:schemeClr val="tx1"/>
-                </a:solidFill>
-                <a:latin typeface="Century Gothic" panose="020B0502020202020204" pitchFamily="34" charset="0"/>
-                <a:ea typeface="Ubuntu"/>
-                <a:cs typeface="Ubuntu"/>
-                <a:sym typeface="Ubuntu"/>
-              </a:rPr>
-              <a:t>Place a screenshot of your code here.</a:t>
-            </a:r>
-          </a:p>
-        </p:txBody>
-      </p:sp>
-      <p:sp>
-        <p:nvSpPr>
-          <p:cNvPr id="6" name="Shape 169"/>
-          <p:cNvSpPr/>
-          <p:nvPr/>
-        </p:nvSpPr>
-        <p:spPr>
-          <a:xfrm>
-            <a:off x="376042" y="2360428"/>
-            <a:ext cx="2420322" cy="2190307"/>
-          </a:xfrm>
-          <a:prstGeom prst="rect">
-            <a:avLst/>
-          </a:prstGeom>
-          <a:noFill/>
-          <a:ln w="28575" cap="flat" cmpd="sng">
-            <a:solidFill>
-              <a:srgbClr val="62C6E8"/>
-            </a:solidFill>
-            <a:prstDash val="solid"/>
-            <a:round/>
-            <a:headEnd type="none" w="med" len="med"/>
-            <a:tailEnd type="none" w="med" len="med"/>
-          </a:ln>
-        </p:spPr>
-        <p:txBody>
-          <a:bodyPr lIns="91425" tIns="45700" rIns="91425" bIns="45700" anchor="ctr" anchorCtr="0">
-            <a:noAutofit/>
-          </a:bodyPr>
-          <a:lstStyle/>
-          <a:p>
-            <a:pPr lvl="0" algn="ctr">
-              <a:buClr>
-                <a:srgbClr val="003565"/>
-              </a:buClr>
-              <a:buSzPct val="25000"/>
-            </a:pPr>
-            <a:r>
-              <a:rPr lang="en-GB" sz="2000" dirty="0">
-                <a:solidFill>
-                  <a:schemeClr val="tx1"/>
-                </a:solidFill>
-                <a:latin typeface="Century Gothic" panose="020B0502020202020204" pitchFamily="34" charset="0"/>
-                <a:ea typeface="Ubuntu"/>
-                <a:cs typeface="Ubuntu"/>
-                <a:sym typeface="Ubuntu"/>
-              </a:rPr>
-              <a:t>C </a:t>
-            </a:r>
-            <a:r>
-              <a:rPr lang="en-GB" sz="2000" dirty="0" err="1">
-                <a:solidFill>
-                  <a:schemeClr val="tx1"/>
-                </a:solidFill>
-                <a:latin typeface="Century Gothic" panose="020B0502020202020204" pitchFamily="34" charset="0"/>
-                <a:ea typeface="Ubuntu"/>
-                <a:cs typeface="Ubuntu"/>
-                <a:sym typeface="Ubuntu"/>
-              </a:rPr>
-              <a:t>C</a:t>
-            </a:r>
-            <a:r>
-              <a:rPr lang="en-GB" sz="2000" dirty="0">
-                <a:solidFill>
-                  <a:schemeClr val="tx1"/>
-                </a:solidFill>
-                <a:latin typeface="Century Gothic" panose="020B0502020202020204" pitchFamily="34" charset="0"/>
-                <a:ea typeface="Ubuntu"/>
-                <a:cs typeface="Ubuntu"/>
-                <a:sym typeface="Ubuntu"/>
-              </a:rPr>
-              <a:t> G </a:t>
-            </a:r>
-            <a:r>
-              <a:rPr lang="en-GB" sz="2000" dirty="0" err="1">
-                <a:solidFill>
-                  <a:schemeClr val="tx1"/>
-                </a:solidFill>
-                <a:latin typeface="Century Gothic" panose="020B0502020202020204" pitchFamily="34" charset="0"/>
-                <a:ea typeface="Ubuntu"/>
-                <a:cs typeface="Ubuntu"/>
-                <a:sym typeface="Ubuntu"/>
-              </a:rPr>
-              <a:t>G</a:t>
-            </a:r>
-            <a:r>
-              <a:rPr lang="en-GB" sz="2000" dirty="0">
-                <a:solidFill>
-                  <a:schemeClr val="tx1"/>
-                </a:solidFill>
-                <a:latin typeface="Century Gothic" panose="020B0502020202020204" pitchFamily="34" charset="0"/>
-                <a:ea typeface="Ubuntu"/>
-                <a:cs typeface="Ubuntu"/>
-                <a:sym typeface="Ubuntu"/>
-              </a:rPr>
-              <a:t> A </a:t>
-            </a:r>
-            <a:r>
-              <a:rPr lang="en-GB" sz="2000" dirty="0" err="1">
-                <a:solidFill>
-                  <a:schemeClr val="tx1"/>
-                </a:solidFill>
-                <a:latin typeface="Century Gothic" panose="020B0502020202020204" pitchFamily="34" charset="0"/>
-                <a:ea typeface="Ubuntu"/>
-                <a:cs typeface="Ubuntu"/>
-                <a:sym typeface="Ubuntu"/>
-              </a:rPr>
-              <a:t>A</a:t>
-            </a:r>
-            <a:r>
-              <a:rPr lang="en-GB" sz="2000" dirty="0">
-                <a:solidFill>
-                  <a:schemeClr val="tx1"/>
-                </a:solidFill>
-                <a:latin typeface="Century Gothic" panose="020B0502020202020204" pitchFamily="34" charset="0"/>
-                <a:ea typeface="Ubuntu"/>
-                <a:cs typeface="Ubuntu"/>
-                <a:sym typeface="Ubuntu"/>
-              </a:rPr>
-              <a:t> G</a:t>
-            </a:r>
-          </a:p>
-          <a:p>
-            <a:pPr lvl="0" algn="ctr">
-              <a:buClr>
-                <a:srgbClr val="003565"/>
-              </a:buClr>
-              <a:buSzPct val="25000"/>
-            </a:pPr>
-            <a:r>
-              <a:rPr lang="en-GB" sz="2000" dirty="0">
-                <a:solidFill>
-                  <a:schemeClr val="tx1"/>
-                </a:solidFill>
-                <a:latin typeface="Century Gothic" panose="020B0502020202020204" pitchFamily="34" charset="0"/>
-                <a:ea typeface="Ubuntu"/>
-                <a:cs typeface="Ubuntu"/>
-                <a:sym typeface="Ubuntu"/>
-              </a:rPr>
-              <a:t>F </a:t>
-            </a:r>
-            <a:r>
-              <a:rPr lang="en-GB" sz="2000" dirty="0" err="1">
-                <a:solidFill>
-                  <a:schemeClr val="tx1"/>
-                </a:solidFill>
-                <a:latin typeface="Century Gothic" panose="020B0502020202020204" pitchFamily="34" charset="0"/>
-                <a:ea typeface="Ubuntu"/>
-                <a:cs typeface="Ubuntu"/>
-                <a:sym typeface="Ubuntu"/>
-              </a:rPr>
-              <a:t>F</a:t>
-            </a:r>
-            <a:r>
-              <a:rPr lang="en-GB" sz="2000" dirty="0">
-                <a:solidFill>
-                  <a:schemeClr val="tx1"/>
-                </a:solidFill>
-                <a:latin typeface="Century Gothic" panose="020B0502020202020204" pitchFamily="34" charset="0"/>
-                <a:ea typeface="Ubuntu"/>
-                <a:cs typeface="Ubuntu"/>
-                <a:sym typeface="Ubuntu"/>
-              </a:rPr>
-              <a:t> E </a:t>
-            </a:r>
-            <a:r>
-              <a:rPr lang="en-GB" sz="2000" dirty="0" err="1">
-                <a:solidFill>
-                  <a:schemeClr val="tx1"/>
-                </a:solidFill>
-                <a:latin typeface="Century Gothic" panose="020B0502020202020204" pitchFamily="34" charset="0"/>
-                <a:ea typeface="Ubuntu"/>
-                <a:cs typeface="Ubuntu"/>
-                <a:sym typeface="Ubuntu"/>
-              </a:rPr>
-              <a:t>E</a:t>
-            </a:r>
-            <a:r>
-              <a:rPr lang="en-GB" sz="2000" dirty="0">
-                <a:solidFill>
-                  <a:schemeClr val="tx1"/>
-                </a:solidFill>
-                <a:latin typeface="Century Gothic" panose="020B0502020202020204" pitchFamily="34" charset="0"/>
-                <a:ea typeface="Ubuntu"/>
-                <a:cs typeface="Ubuntu"/>
-                <a:sym typeface="Ubuntu"/>
-              </a:rPr>
-              <a:t> D </a:t>
-            </a:r>
-            <a:r>
-              <a:rPr lang="en-GB" sz="2000" dirty="0" err="1">
-                <a:solidFill>
-                  <a:schemeClr val="tx1"/>
-                </a:solidFill>
-                <a:latin typeface="Century Gothic" panose="020B0502020202020204" pitchFamily="34" charset="0"/>
-                <a:ea typeface="Ubuntu"/>
-                <a:cs typeface="Ubuntu"/>
-                <a:sym typeface="Ubuntu"/>
-              </a:rPr>
-              <a:t>D</a:t>
-            </a:r>
-            <a:r>
-              <a:rPr lang="en-GB" sz="2000" dirty="0">
-                <a:solidFill>
-                  <a:schemeClr val="tx1"/>
-                </a:solidFill>
-                <a:latin typeface="Century Gothic" panose="020B0502020202020204" pitchFamily="34" charset="0"/>
-                <a:ea typeface="Ubuntu"/>
-                <a:cs typeface="Ubuntu"/>
-                <a:sym typeface="Ubuntu"/>
-              </a:rPr>
-              <a:t> C </a:t>
-            </a:r>
-          </a:p>
-          <a:p>
-            <a:pPr lvl="0" algn="ctr">
-              <a:buClr>
-                <a:srgbClr val="003565"/>
-              </a:buClr>
-              <a:buSzPct val="25000"/>
-            </a:pPr>
-            <a:r>
-              <a:rPr lang="en-GB" sz="2000" dirty="0">
-                <a:solidFill>
-                  <a:schemeClr val="tx1"/>
-                </a:solidFill>
-                <a:latin typeface="Century Gothic" panose="020B0502020202020204" pitchFamily="34" charset="0"/>
-                <a:ea typeface="Ubuntu"/>
-                <a:cs typeface="Ubuntu"/>
-                <a:sym typeface="Ubuntu"/>
-              </a:rPr>
-              <a:t>G </a:t>
-            </a:r>
-            <a:r>
-              <a:rPr lang="en-GB" sz="2000" dirty="0" err="1">
-                <a:solidFill>
-                  <a:schemeClr val="tx1"/>
-                </a:solidFill>
-                <a:latin typeface="Century Gothic" panose="020B0502020202020204" pitchFamily="34" charset="0"/>
-                <a:ea typeface="Ubuntu"/>
-                <a:cs typeface="Ubuntu"/>
-                <a:sym typeface="Ubuntu"/>
-              </a:rPr>
-              <a:t>G</a:t>
-            </a:r>
-            <a:r>
-              <a:rPr lang="en-GB" sz="2000" dirty="0">
-                <a:solidFill>
-                  <a:schemeClr val="tx1"/>
-                </a:solidFill>
-                <a:latin typeface="Century Gothic" panose="020B0502020202020204" pitchFamily="34" charset="0"/>
-                <a:ea typeface="Ubuntu"/>
-                <a:cs typeface="Ubuntu"/>
-                <a:sym typeface="Ubuntu"/>
-              </a:rPr>
-              <a:t> F </a:t>
-            </a:r>
-            <a:r>
-              <a:rPr lang="en-GB" sz="2000" dirty="0" err="1">
-                <a:solidFill>
-                  <a:schemeClr val="tx1"/>
-                </a:solidFill>
-                <a:latin typeface="Century Gothic" panose="020B0502020202020204" pitchFamily="34" charset="0"/>
-                <a:ea typeface="Ubuntu"/>
-                <a:cs typeface="Ubuntu"/>
-                <a:sym typeface="Ubuntu"/>
-              </a:rPr>
-              <a:t>F</a:t>
-            </a:r>
-            <a:r>
-              <a:rPr lang="en-GB" sz="2000" dirty="0">
-                <a:solidFill>
-                  <a:schemeClr val="tx1"/>
-                </a:solidFill>
-                <a:latin typeface="Century Gothic" panose="020B0502020202020204" pitchFamily="34" charset="0"/>
-                <a:ea typeface="Ubuntu"/>
-                <a:cs typeface="Ubuntu"/>
-                <a:sym typeface="Ubuntu"/>
-              </a:rPr>
-              <a:t> E </a:t>
-            </a:r>
-            <a:r>
-              <a:rPr lang="en-GB" sz="2000" dirty="0" err="1">
-                <a:solidFill>
-                  <a:schemeClr val="tx1"/>
-                </a:solidFill>
-                <a:latin typeface="Century Gothic" panose="020B0502020202020204" pitchFamily="34" charset="0"/>
-                <a:ea typeface="Ubuntu"/>
-                <a:cs typeface="Ubuntu"/>
-                <a:sym typeface="Ubuntu"/>
-              </a:rPr>
-              <a:t>E</a:t>
-            </a:r>
-            <a:r>
-              <a:rPr lang="en-GB" sz="2000" dirty="0">
-                <a:solidFill>
-                  <a:schemeClr val="tx1"/>
-                </a:solidFill>
-                <a:latin typeface="Century Gothic" panose="020B0502020202020204" pitchFamily="34" charset="0"/>
-                <a:ea typeface="Ubuntu"/>
-                <a:cs typeface="Ubuntu"/>
-                <a:sym typeface="Ubuntu"/>
-              </a:rPr>
-              <a:t> D</a:t>
-            </a:r>
-          </a:p>
-          <a:p>
-            <a:pPr lvl="0" algn="ctr">
-              <a:buClr>
-                <a:srgbClr val="003565"/>
-              </a:buClr>
-              <a:buSzPct val="25000"/>
-            </a:pPr>
-            <a:r>
-              <a:rPr lang="en-GB" sz="2000" dirty="0">
-                <a:solidFill>
-                  <a:schemeClr val="tx1"/>
-                </a:solidFill>
-                <a:latin typeface="Century Gothic" panose="020B0502020202020204" pitchFamily="34" charset="0"/>
-                <a:ea typeface="Ubuntu"/>
-                <a:cs typeface="Ubuntu"/>
-                <a:sym typeface="Ubuntu"/>
-              </a:rPr>
-              <a:t>G </a:t>
-            </a:r>
-            <a:r>
-              <a:rPr lang="en-GB" sz="2000" dirty="0" err="1">
-                <a:solidFill>
-                  <a:schemeClr val="tx1"/>
-                </a:solidFill>
-                <a:latin typeface="Century Gothic" panose="020B0502020202020204" pitchFamily="34" charset="0"/>
-                <a:ea typeface="Ubuntu"/>
-                <a:cs typeface="Ubuntu"/>
-                <a:sym typeface="Ubuntu"/>
-              </a:rPr>
-              <a:t>G</a:t>
-            </a:r>
-            <a:r>
-              <a:rPr lang="en-GB" sz="2000" dirty="0">
-                <a:solidFill>
-                  <a:schemeClr val="tx1"/>
-                </a:solidFill>
-                <a:latin typeface="Century Gothic" panose="020B0502020202020204" pitchFamily="34" charset="0"/>
-                <a:ea typeface="Ubuntu"/>
-                <a:cs typeface="Ubuntu"/>
-                <a:sym typeface="Ubuntu"/>
-              </a:rPr>
-              <a:t> F </a:t>
-            </a:r>
-            <a:r>
-              <a:rPr lang="en-GB" sz="2000" dirty="0" err="1">
-                <a:solidFill>
-                  <a:schemeClr val="tx1"/>
-                </a:solidFill>
-                <a:latin typeface="Century Gothic" panose="020B0502020202020204" pitchFamily="34" charset="0"/>
-                <a:ea typeface="Ubuntu"/>
-                <a:cs typeface="Ubuntu"/>
-                <a:sym typeface="Ubuntu"/>
-              </a:rPr>
-              <a:t>F</a:t>
-            </a:r>
-            <a:r>
-              <a:rPr lang="en-GB" sz="2000" dirty="0">
-                <a:solidFill>
-                  <a:schemeClr val="tx1"/>
-                </a:solidFill>
-                <a:latin typeface="Century Gothic" panose="020B0502020202020204" pitchFamily="34" charset="0"/>
-                <a:ea typeface="Ubuntu"/>
-                <a:cs typeface="Ubuntu"/>
-                <a:sym typeface="Ubuntu"/>
-              </a:rPr>
-              <a:t> E </a:t>
-            </a:r>
-            <a:r>
-              <a:rPr lang="en-GB" sz="2000" dirty="0" err="1">
-                <a:solidFill>
-                  <a:schemeClr val="tx1"/>
-                </a:solidFill>
-                <a:latin typeface="Century Gothic" panose="020B0502020202020204" pitchFamily="34" charset="0"/>
-                <a:ea typeface="Ubuntu"/>
-                <a:cs typeface="Ubuntu"/>
-                <a:sym typeface="Ubuntu"/>
-              </a:rPr>
-              <a:t>E</a:t>
-            </a:r>
-            <a:r>
-              <a:rPr lang="en-GB" sz="2000" dirty="0">
-                <a:solidFill>
-                  <a:schemeClr val="tx1"/>
-                </a:solidFill>
-                <a:latin typeface="Century Gothic" panose="020B0502020202020204" pitchFamily="34" charset="0"/>
-                <a:ea typeface="Ubuntu"/>
-                <a:cs typeface="Ubuntu"/>
-                <a:sym typeface="Ubuntu"/>
-              </a:rPr>
-              <a:t> D</a:t>
-            </a:r>
-          </a:p>
-          <a:p>
-            <a:pPr lvl="0" algn="ctr">
-              <a:buClr>
-                <a:srgbClr val="003565"/>
-              </a:buClr>
-              <a:buSzPct val="25000"/>
-            </a:pPr>
-            <a:r>
-              <a:rPr lang="en-GB" sz="2000" dirty="0">
-                <a:solidFill>
-                  <a:schemeClr val="tx1"/>
-                </a:solidFill>
-                <a:latin typeface="Century Gothic" panose="020B0502020202020204" pitchFamily="34" charset="0"/>
-                <a:ea typeface="Ubuntu"/>
-                <a:cs typeface="Ubuntu"/>
-                <a:sym typeface="Ubuntu"/>
-              </a:rPr>
-              <a:t>C </a:t>
-            </a:r>
-            <a:r>
-              <a:rPr lang="en-GB" sz="2000" dirty="0" err="1">
-                <a:solidFill>
-                  <a:schemeClr val="tx1"/>
-                </a:solidFill>
-                <a:latin typeface="Century Gothic" panose="020B0502020202020204" pitchFamily="34" charset="0"/>
-                <a:ea typeface="Ubuntu"/>
-                <a:cs typeface="Ubuntu"/>
-                <a:sym typeface="Ubuntu"/>
-              </a:rPr>
-              <a:t>C</a:t>
-            </a:r>
-            <a:r>
-              <a:rPr lang="en-GB" sz="2000" dirty="0">
-                <a:solidFill>
-                  <a:schemeClr val="tx1"/>
-                </a:solidFill>
-                <a:latin typeface="Century Gothic" panose="020B0502020202020204" pitchFamily="34" charset="0"/>
-                <a:ea typeface="Ubuntu"/>
-                <a:cs typeface="Ubuntu"/>
-                <a:sym typeface="Ubuntu"/>
-              </a:rPr>
-              <a:t> G </a:t>
-            </a:r>
-            <a:r>
-              <a:rPr lang="en-GB" sz="2000" dirty="0" err="1">
-                <a:solidFill>
-                  <a:schemeClr val="tx1"/>
-                </a:solidFill>
-                <a:latin typeface="Century Gothic" panose="020B0502020202020204" pitchFamily="34" charset="0"/>
-                <a:ea typeface="Ubuntu"/>
-                <a:cs typeface="Ubuntu"/>
-                <a:sym typeface="Ubuntu"/>
-              </a:rPr>
-              <a:t>G</a:t>
-            </a:r>
-            <a:r>
-              <a:rPr lang="en-GB" sz="2000" dirty="0">
-                <a:solidFill>
-                  <a:schemeClr val="tx1"/>
-                </a:solidFill>
-                <a:latin typeface="Century Gothic" panose="020B0502020202020204" pitchFamily="34" charset="0"/>
-                <a:ea typeface="Ubuntu"/>
-                <a:cs typeface="Ubuntu"/>
-                <a:sym typeface="Ubuntu"/>
-              </a:rPr>
-              <a:t> A </a:t>
-            </a:r>
-            <a:r>
-              <a:rPr lang="en-GB" sz="2000" dirty="0" err="1">
-                <a:solidFill>
-                  <a:schemeClr val="tx1"/>
-                </a:solidFill>
-                <a:latin typeface="Century Gothic" panose="020B0502020202020204" pitchFamily="34" charset="0"/>
-                <a:ea typeface="Ubuntu"/>
-                <a:cs typeface="Ubuntu"/>
-                <a:sym typeface="Ubuntu"/>
-              </a:rPr>
-              <a:t>A</a:t>
-            </a:r>
-            <a:r>
-              <a:rPr lang="en-GB" sz="2000" dirty="0">
-                <a:solidFill>
-                  <a:schemeClr val="tx1"/>
-                </a:solidFill>
-                <a:latin typeface="Century Gothic" panose="020B0502020202020204" pitchFamily="34" charset="0"/>
-                <a:ea typeface="Ubuntu"/>
-                <a:cs typeface="Ubuntu"/>
-                <a:sym typeface="Ubuntu"/>
-              </a:rPr>
-              <a:t> G</a:t>
-            </a:r>
-          </a:p>
-          <a:p>
-            <a:pPr lvl="0" algn="ctr">
-              <a:buClr>
-                <a:srgbClr val="003565"/>
-              </a:buClr>
-              <a:buSzPct val="25000"/>
-            </a:pPr>
-            <a:r>
-              <a:rPr lang="en-GB" sz="2000" dirty="0">
-                <a:solidFill>
-                  <a:schemeClr val="tx1"/>
-                </a:solidFill>
-                <a:latin typeface="Century Gothic" panose="020B0502020202020204" pitchFamily="34" charset="0"/>
-                <a:ea typeface="Ubuntu"/>
-                <a:cs typeface="Ubuntu"/>
-                <a:sym typeface="Ubuntu"/>
-              </a:rPr>
-              <a:t>F </a:t>
-            </a:r>
-            <a:r>
-              <a:rPr lang="en-GB" sz="2000" dirty="0" err="1">
-                <a:solidFill>
-                  <a:schemeClr val="tx1"/>
-                </a:solidFill>
-                <a:latin typeface="Century Gothic" panose="020B0502020202020204" pitchFamily="34" charset="0"/>
-                <a:ea typeface="Ubuntu"/>
-                <a:cs typeface="Ubuntu"/>
-                <a:sym typeface="Ubuntu"/>
-              </a:rPr>
-              <a:t>F</a:t>
-            </a:r>
-            <a:r>
-              <a:rPr lang="en-GB" sz="2000" dirty="0">
-                <a:solidFill>
-                  <a:schemeClr val="tx1"/>
-                </a:solidFill>
-                <a:latin typeface="Century Gothic" panose="020B0502020202020204" pitchFamily="34" charset="0"/>
-                <a:ea typeface="Ubuntu"/>
-                <a:cs typeface="Ubuntu"/>
-                <a:sym typeface="Ubuntu"/>
-              </a:rPr>
-              <a:t> E </a:t>
-            </a:r>
-            <a:r>
-              <a:rPr lang="en-GB" sz="2000" dirty="0" err="1">
-                <a:solidFill>
-                  <a:schemeClr val="tx1"/>
-                </a:solidFill>
-                <a:latin typeface="Century Gothic" panose="020B0502020202020204" pitchFamily="34" charset="0"/>
-                <a:ea typeface="Ubuntu"/>
-                <a:cs typeface="Ubuntu"/>
-                <a:sym typeface="Ubuntu"/>
-              </a:rPr>
-              <a:t>E</a:t>
-            </a:r>
-            <a:r>
-              <a:rPr lang="en-GB" sz="2000" dirty="0">
-                <a:solidFill>
-                  <a:schemeClr val="tx1"/>
-                </a:solidFill>
-                <a:latin typeface="Century Gothic" panose="020B0502020202020204" pitchFamily="34" charset="0"/>
-                <a:ea typeface="Ubuntu"/>
-                <a:cs typeface="Ubuntu"/>
-                <a:sym typeface="Ubuntu"/>
-              </a:rPr>
-              <a:t> D </a:t>
-            </a:r>
-            <a:r>
-              <a:rPr lang="en-GB" sz="2000" dirty="0" err="1">
-                <a:solidFill>
-                  <a:schemeClr val="tx1"/>
-                </a:solidFill>
-                <a:latin typeface="Century Gothic" panose="020B0502020202020204" pitchFamily="34" charset="0"/>
-                <a:ea typeface="Ubuntu"/>
-                <a:cs typeface="Ubuntu"/>
-                <a:sym typeface="Ubuntu"/>
-              </a:rPr>
-              <a:t>D</a:t>
-            </a:r>
-            <a:r>
-              <a:rPr lang="en-GB" sz="2000" dirty="0">
-                <a:solidFill>
-                  <a:schemeClr val="tx1"/>
-                </a:solidFill>
-                <a:latin typeface="Century Gothic" panose="020B0502020202020204" pitchFamily="34" charset="0"/>
-                <a:ea typeface="Ubuntu"/>
-                <a:cs typeface="Ubuntu"/>
-                <a:sym typeface="Ubuntu"/>
-              </a:rPr>
-              <a:t> C</a:t>
-            </a:r>
-          </a:p>
-        </p:txBody>
-      </p:sp>
-    </p:spTree>
-    <p:extLst>
-      <p:ext uri="{BB962C8B-B14F-4D97-AF65-F5344CB8AC3E}">
-        <p14:creationId xmlns:p14="http://schemas.microsoft.com/office/powerpoint/2010/main" val="2613772710"/>
-      </p:ext>
-    </p:extLst>
-  </p:cSld>
-  <p:clrMapOvr>
-    <a:masterClrMapping/>
-  </p:clrMapOvr>
-  <p:transition spd="slow">
-    <p:cut/>
-  </p:transition>
-</p:sld>
-</file>
-
-<file path=ppt/slides/slide7.xml><?xml version="1.0" encoding="utf-8"?>
-<p:sld xmlns:a="http://schemas.openxmlformats.org/drawingml/2006/main" xmlns:r="http://schemas.openxmlformats.org/officeDocument/2006/relationships" xmlns:p="http://schemas.openxmlformats.org/presentationml/2006/main">
-  <p:cSld>
-    <p:spTree>
-      <p:nvGrpSpPr>
-        <p:cNvPr id="1" name="Shape 205"/>
-        <p:cNvGrpSpPr/>
-        <p:nvPr/>
-      </p:nvGrpSpPr>
-      <p:grpSpPr>
-        <a:xfrm>
-          <a:off x="0" y="0"/>
-          <a:ext cx="0" cy="0"/>
-          <a:chOff x="0" y="0"/>
-          <a:chExt cx="0" cy="0"/>
-        </a:xfrm>
-      </p:grpSpPr>
-      <p:sp>
-        <p:nvSpPr>
-          <p:cNvPr id="206" name="Shape 206"/>
-          <p:cNvSpPr txBox="1">
-            <a:spLocks noGrp="1"/>
-          </p:cNvSpPr>
-          <p:nvPr>
-            <p:ph type="title"/>
-          </p:nvPr>
-        </p:nvSpPr>
-        <p:spPr>
-          <a:xfrm>
-            <a:off x="175189" y="0"/>
-            <a:ext cx="8229600" cy="683699"/>
-          </a:xfrm>
-          <a:prstGeom prst="rect">
-            <a:avLst/>
-          </a:prstGeom>
-        </p:spPr>
-        <p:txBody>
-          <a:bodyPr lIns="91425" tIns="91425" rIns="91425" bIns="91425" anchor="ctr" anchorCtr="0">
-            <a:noAutofit/>
-          </a:bodyPr>
-          <a:lstStyle/>
-          <a:p>
-            <a:pPr lvl="0" rtl="0">
-              <a:spcBef>
-                <a:spcPts val="0"/>
-              </a:spcBef>
-              <a:buNone/>
-            </a:pPr>
-            <a:r>
-              <a:rPr lang="en-GB" dirty="0"/>
+              <a:rPr lang="en-GB" dirty="0">
+                <a:latin typeface="Atkinson Hyperlegible" pitchFamily="2" charset="0"/>
+              </a:rPr>
               <a:t>Activity 5.3</a:t>
             </a:r>
           </a:p>
@@ -7053,7 +6382,7 @@
           </a:bodyPr>
           <a:lstStyle/>
           <a:p>
-            <a:pPr lvl="0" algn="ctr">
+            <a:pPr lvl="0">
               <a:buClr>
                 <a:srgbClr val="003565"/>
               </a:buClr>
@@ -7064,7 +6393,7 @@
                 <a:solidFill>
                   <a:schemeClr val="tx1"/>
                 </a:solidFill>
-                <a:latin typeface="Century Gothic" panose="020B0502020202020204" pitchFamily="34" charset="0"/>
+                <a:latin typeface="Atkinson Hyperlegible" pitchFamily="2" charset="0"/>
                 <a:ea typeface="Ubuntu"/>
                 <a:cs typeface="Ubuntu"/>
                 <a:sym typeface="Ubuntu"/>
@@ -7076,7 +6405,7 @@
                 <a:solidFill>
                   <a:schemeClr val="tx1"/>
                 </a:solidFill>
-                <a:latin typeface="Century Gothic" panose="020B0502020202020204" pitchFamily="34" charset="0"/>
+                <a:latin typeface="Atkinson Hyperlegible" pitchFamily="2" charset="0"/>
                 <a:ea typeface="Ubuntu"/>
                 <a:cs typeface="Ubuntu"/>
                 <a:sym typeface="Ubuntu"/>
@@ -7088,7 +6417,7 @@
                 <a:solidFill>
                   <a:schemeClr val="tx1"/>
                 </a:solidFill>
-                <a:latin typeface="Century Gothic" panose="020B0502020202020204" pitchFamily="34" charset="0"/>
+                <a:latin typeface="Atkinson Hyperlegible" pitchFamily="2" charset="0"/>
                 <a:ea typeface="Ubuntu"/>
                 <a:cs typeface="Ubuntu"/>
                 <a:sym typeface="Ubuntu"/>
@@ -7129,7 +6458,7 @@
           </a:bodyPr>
           <a:lstStyle/>
           <a:p>
-            <a:pPr lvl="0" algn="ctr">
+            <a:pPr lvl="0">
               <a:buClr>
                 <a:srgbClr val="003565"/>
               </a:buClr>
@@ -7140,7 +6469,7 @@
                 <a:solidFill>
                   <a:schemeClr val="tx1"/>
                 </a:solidFill>
-                <a:latin typeface="Century Gothic" panose="020B0502020202020204" pitchFamily="34" charset="0"/>
+                <a:latin typeface="Atkinson Hyperlegible" pitchFamily="2" charset="0"/>
                 <a:ea typeface="Ubuntu"/>
                 <a:cs typeface="Ubuntu"/>
                 <a:sym typeface="Ubuntu"/>
@@ -7181,7 +6510,7 @@
           </a:bodyPr>
           <a:lstStyle/>
           <a:p>
-            <a:pPr lvl="0" algn="ctr">
+            <a:pPr lvl="0">
               <a:buClr>
                 <a:srgbClr val="003565"/>
               </a:buClr>
@@ -7192,7 +6521,7 @@
                 <a:solidFill>
                   <a:srgbClr val="00B050"/>
                 </a:solidFill>
-                <a:latin typeface="Century Gothic" panose="020B0502020202020204" pitchFamily="34" charset="0"/>
+                <a:latin typeface="Atkinson Hyperlegible" pitchFamily="2" charset="0"/>
                 <a:ea typeface="Ubuntu"/>
                 <a:cs typeface="Ubuntu"/>
                 <a:sym typeface="Ubuntu"/>
@@ -7204,7 +6533,7 @@
                 <a:solidFill>
                   <a:srgbClr val="00B050"/>
                 </a:solidFill>
-                <a:latin typeface="Century Gothic" panose="020B0502020202020204" pitchFamily="34" charset="0"/>
+                <a:latin typeface="Atkinson Hyperlegible" pitchFamily="2" charset="0"/>
                 <a:ea typeface="Ubuntu"/>
                 <a:cs typeface="Ubuntu"/>
                 <a:sym typeface="Ubuntu"/>
@@ -7216,7 +6545,7 @@
                 <a:solidFill>
                   <a:srgbClr val="00B050"/>
                 </a:solidFill>
-                <a:latin typeface="Century Gothic" panose="020B0502020202020204" pitchFamily="34" charset="0"/>
+                <a:latin typeface="Atkinson Hyperlegible" pitchFamily="2" charset="0"/>
                 <a:ea typeface="Ubuntu"/>
                 <a:cs typeface="Ubuntu"/>
                 <a:sym typeface="Ubuntu"/>
@@ -7228,7 +6557,7 @@
                 <a:solidFill>
                   <a:srgbClr val="00B050"/>
                 </a:solidFill>
-                <a:latin typeface="Century Gothic" panose="020B0502020202020204" pitchFamily="34" charset="0"/>
+                <a:latin typeface="Atkinson Hyperlegible" pitchFamily="2" charset="0"/>
                 <a:ea typeface="Ubuntu"/>
                 <a:cs typeface="Ubuntu"/>
                 <a:sym typeface="Ubuntu"/>
@@ -7240,7 +6569,7 @@
                 <a:solidFill>
                   <a:srgbClr val="00B050"/>
                 </a:solidFill>
-                <a:latin typeface="Century Gothic" panose="020B0502020202020204" pitchFamily="34" charset="0"/>
+                <a:latin typeface="Atkinson Hyperlegible" pitchFamily="2" charset="0"/>
                 <a:ea typeface="Ubuntu"/>
                 <a:cs typeface="Ubuntu"/>
                 <a:sym typeface="Ubuntu"/>
@@ -7252,7 +6581,7 @@
                 <a:solidFill>
                   <a:srgbClr val="00B050"/>
                 </a:solidFill>
-                <a:latin typeface="Century Gothic" panose="020B0502020202020204" pitchFamily="34" charset="0"/>
+                <a:latin typeface="Atkinson Hyperlegible" pitchFamily="2" charset="0"/>
                 <a:ea typeface="Ubuntu"/>
                 <a:cs typeface="Ubuntu"/>
                 <a:sym typeface="Ubuntu"/>
@@ -7264,7 +6593,7 @@
                 <a:solidFill>
                   <a:srgbClr val="00B050"/>
                 </a:solidFill>
-                <a:latin typeface="Century Gothic" panose="020B0502020202020204" pitchFamily="34" charset="0"/>
+                <a:latin typeface="Atkinson Hyperlegible" pitchFamily="2" charset="0"/>
                 <a:ea typeface="Ubuntu"/>
                 <a:cs typeface="Ubuntu"/>
                 <a:sym typeface="Ubuntu"/>
@@ -7273,7 +6602,7 @@
             </a:r>
           </a:p>
           <a:p>
-            <a:pPr lvl="0" algn="ctr">
+            <a:pPr lvl="0">
               <a:buClr>
                 <a:srgbClr val="003565"/>
               </a:buClr>
@@ -7284,7 +6613,7 @@
                 <a:solidFill>
                   <a:srgbClr val="00B0F0"/>
                 </a:solidFill>
-                <a:latin typeface="Century Gothic" panose="020B0502020202020204" pitchFamily="34" charset="0"/>
+                <a:latin typeface="Atkinson Hyperlegible" pitchFamily="2" charset="0"/>
                 <a:ea typeface="Ubuntu"/>
                 <a:cs typeface="Ubuntu"/>
                 <a:sym typeface="Ubuntu"/>
@@ -7296,7 +6625,7 @@
                 <a:solidFill>
                   <a:srgbClr val="00B0F0"/>
                 </a:solidFill>
-                <a:latin typeface="Century Gothic" panose="020B0502020202020204" pitchFamily="34" charset="0"/>
+                <a:latin typeface="Atkinson Hyperlegible" pitchFamily="2" charset="0"/>
                 <a:ea typeface="Ubuntu"/>
                 <a:cs typeface="Ubuntu"/>
                 <a:sym typeface="Ubuntu"/>
@@ -7308,7 +6637,7 @@
                 <a:solidFill>
                   <a:srgbClr val="00B0F0"/>
                 </a:solidFill>
-                <a:latin typeface="Century Gothic" panose="020B0502020202020204" pitchFamily="34" charset="0"/>
+                <a:latin typeface="Atkinson Hyperlegible" pitchFamily="2" charset="0"/>
                 <a:ea typeface="Ubuntu"/>
                 <a:cs typeface="Ubuntu"/>
                 <a:sym typeface="Ubuntu"/>
@@ -7320,7 +6649,7 @@
                 <a:solidFill>
                   <a:srgbClr val="00B0F0"/>
                 </a:solidFill>
-                <a:latin typeface="Century Gothic" panose="020B0502020202020204" pitchFamily="34" charset="0"/>
+                <a:latin typeface="Atkinson Hyperlegible" pitchFamily="2" charset="0"/>
                 <a:ea typeface="Ubuntu"/>
                 <a:cs typeface="Ubuntu"/>
                 <a:sym typeface="Ubuntu"/>
@@ -7332,7 +6661,7 @@
                 <a:solidFill>
                   <a:srgbClr val="00B0F0"/>
                 </a:solidFill>
-                <a:latin typeface="Century Gothic" panose="020B0502020202020204" pitchFamily="34" charset="0"/>
+                <a:latin typeface="Atkinson Hyperlegible" pitchFamily="2" charset="0"/>
                 <a:ea typeface="Ubuntu"/>
                 <a:cs typeface="Ubuntu"/>
                 <a:sym typeface="Ubuntu"/>
@@ -7344,7 +6673,7 @@
                 <a:solidFill>
                   <a:srgbClr val="00B0F0"/>
                 </a:solidFill>
-                <a:latin typeface="Century Gothic" panose="020B0502020202020204" pitchFamily="34" charset="0"/>
+                <a:latin typeface="Atkinson Hyperlegible" pitchFamily="2" charset="0"/>
                 <a:ea typeface="Ubuntu"/>
                 <a:cs typeface="Ubuntu"/>
                 <a:sym typeface="Ubuntu"/>
@@ -7356,7 +6685,7 @@
                 <a:solidFill>
                   <a:srgbClr val="00B0F0"/>
                 </a:solidFill>
-                <a:latin typeface="Century Gothic" panose="020B0502020202020204" pitchFamily="34" charset="0"/>
+                <a:latin typeface="Atkinson Hyperlegible" pitchFamily="2" charset="0"/>
                 <a:ea typeface="Ubuntu"/>
                 <a:cs typeface="Ubuntu"/>
                 <a:sym typeface="Ubuntu"/>
@@ -7365,7 +6694,7 @@
             </a:r>
           </a:p>
           <a:p>
-            <a:pPr lvl="0" algn="ctr">
+            <a:pPr lvl="0">
               <a:buClr>
                 <a:srgbClr val="003565"/>
               </a:buClr>
@@ -7376,7 +6705,7 @@
                 <a:solidFill>
                   <a:srgbClr val="C00000"/>
                 </a:solidFill>
-                <a:latin typeface="Century Gothic" panose="020B0502020202020204" pitchFamily="34" charset="0"/>
+                <a:latin typeface="Atkinson Hyperlegible" pitchFamily="2" charset="0"/>
                 <a:ea typeface="Ubuntu"/>
                 <a:cs typeface="Ubuntu"/>
                 <a:sym typeface="Ubuntu"/>
@@ -7388,7 +6717,7 @@
                 <a:solidFill>
                   <a:srgbClr val="C00000"/>
                 </a:solidFill>
-                <a:latin typeface="Century Gothic" panose="020B0502020202020204" pitchFamily="34" charset="0"/>
+                <a:latin typeface="Atkinson Hyperlegible" pitchFamily="2" charset="0"/>
                 <a:ea typeface="Ubuntu"/>
                 <a:cs typeface="Ubuntu"/>
                 <a:sym typeface="Ubuntu"/>
@@ -7400,7 +6729,7 @@
                 <a:solidFill>
                   <a:srgbClr val="C00000"/>
                 </a:solidFill>
-                <a:latin typeface="Century Gothic" panose="020B0502020202020204" pitchFamily="34" charset="0"/>
+                <a:latin typeface="Atkinson Hyperlegible" pitchFamily="2" charset="0"/>
                 <a:ea typeface="Ubuntu"/>
                 <a:cs typeface="Ubuntu"/>
                 <a:sym typeface="Ubuntu"/>
@@ -7412,7 +6741,7 @@
                 <a:solidFill>
                   <a:srgbClr val="C00000"/>
                 </a:solidFill>
-                <a:latin typeface="Century Gothic" panose="020B0502020202020204" pitchFamily="34" charset="0"/>
+                <a:latin typeface="Atkinson Hyperlegible" pitchFamily="2" charset="0"/>
                 <a:ea typeface="Ubuntu"/>
                 <a:cs typeface="Ubuntu"/>
                 <a:sym typeface="Ubuntu"/>
@@ -7424,7 +6753,7 @@
                 <a:solidFill>
                   <a:srgbClr val="C00000"/>
                 </a:solidFill>
-                <a:latin typeface="Century Gothic" panose="020B0502020202020204" pitchFamily="34" charset="0"/>
+                <a:latin typeface="Atkinson Hyperlegible" pitchFamily="2" charset="0"/>
                 <a:ea typeface="Ubuntu"/>
                 <a:cs typeface="Ubuntu"/>
                 <a:sym typeface="Ubuntu"/>
@@ -7436,7 +6765,7 @@
                 <a:solidFill>
                   <a:srgbClr val="C00000"/>
                 </a:solidFill>
-                <a:latin typeface="Century Gothic" panose="020B0502020202020204" pitchFamily="34" charset="0"/>
+                <a:latin typeface="Atkinson Hyperlegible" pitchFamily="2" charset="0"/>
                 <a:ea typeface="Ubuntu"/>
                 <a:cs typeface="Ubuntu"/>
                 <a:sym typeface="Ubuntu"/>
@@ -7448,7 +6777,7 @@
                 <a:solidFill>
                   <a:srgbClr val="C00000"/>
                 </a:solidFill>
-                <a:latin typeface="Century Gothic" panose="020B0502020202020204" pitchFamily="34" charset="0"/>
+                <a:latin typeface="Atkinson Hyperlegible" pitchFamily="2" charset="0"/>
                 <a:ea typeface="Ubuntu"/>
                 <a:cs typeface="Ubuntu"/>
                 <a:sym typeface="Ubuntu"/>
@@ -7457,7 +6786,7 @@
             </a:r>
           </a:p>
           <a:p>
-            <a:pPr lvl="0" algn="ctr">
+            <a:pPr lvl="0">
               <a:buClr>
                 <a:srgbClr val="003565"/>
               </a:buClr>
@@ -7468,7 +6797,7 @@
                 <a:solidFill>
                   <a:srgbClr val="C00000"/>
                 </a:solidFill>
-                <a:latin typeface="Century Gothic" panose="020B0502020202020204" pitchFamily="34" charset="0"/>
+                <a:latin typeface="Atkinson Hyperlegible" pitchFamily="2" charset="0"/>
                 <a:ea typeface="Ubuntu"/>
                 <a:cs typeface="Ubuntu"/>
                 <a:sym typeface="Ubuntu"/>
@@ -7480,7 +6809,7 @@
                 <a:solidFill>
                   <a:srgbClr val="C00000"/>
                 </a:solidFill>
-                <a:latin typeface="Century Gothic" panose="020B0502020202020204" pitchFamily="34" charset="0"/>
+                <a:latin typeface="Atkinson Hyperlegible" pitchFamily="2" charset="0"/>
                 <a:ea typeface="Ubuntu"/>
                 <a:cs typeface="Ubuntu"/>
                 <a:sym typeface="Ubuntu"/>
@@ -7492,7 +6821,7 @@
                 <a:solidFill>
                   <a:srgbClr val="C00000"/>
                 </a:solidFill>
-                <a:latin typeface="Century Gothic" panose="020B0502020202020204" pitchFamily="34" charset="0"/>
+                <a:latin typeface="Atkinson Hyperlegible" pitchFamily="2" charset="0"/>
                 <a:ea typeface="Ubuntu"/>
                 <a:cs typeface="Ubuntu"/>
                 <a:sym typeface="Ubuntu"/>
@@ -7504,7 +6833,7 @@
                 <a:solidFill>
                   <a:srgbClr val="C00000"/>
                 </a:solidFill>
-                <a:latin typeface="Century Gothic" panose="020B0502020202020204" pitchFamily="34" charset="0"/>
+                <a:latin typeface="Atkinson Hyperlegible" pitchFamily="2" charset="0"/>
                 <a:ea typeface="Ubuntu"/>
                 <a:cs typeface="Ubuntu"/>
                 <a:sym typeface="Ubuntu"/>
@@ -7516,7 +6845,7 @@
                 <a:solidFill>
                   <a:srgbClr val="C00000"/>
                 </a:solidFill>
-                <a:latin typeface="Century Gothic" panose="020B0502020202020204" pitchFamily="34" charset="0"/>
+                <a:latin typeface="Atkinson Hyperlegible" pitchFamily="2" charset="0"/>
                 <a:ea typeface="Ubuntu"/>
                 <a:cs typeface="Ubuntu"/>
                 <a:sym typeface="Ubuntu"/>
@@ -7528,7 +6857,7 @@
                 <a:solidFill>
                   <a:srgbClr val="C00000"/>
                 </a:solidFill>
-                <a:latin typeface="Century Gothic" panose="020B0502020202020204" pitchFamily="34" charset="0"/>
+                <a:latin typeface="Atkinson Hyperlegible" pitchFamily="2" charset="0"/>
                 <a:ea typeface="Ubuntu"/>
                 <a:cs typeface="Ubuntu"/>
                 <a:sym typeface="Ubuntu"/>
@@ -7540,7 +6869,7 @@
                 <a:solidFill>
                   <a:srgbClr val="C00000"/>
                 </a:solidFill>
-                <a:latin typeface="Century Gothic" panose="020B0502020202020204" pitchFamily="34" charset="0"/>
+                <a:latin typeface="Atkinson Hyperlegible" pitchFamily="2" charset="0"/>
                 <a:ea typeface="Ubuntu"/>
                 <a:cs typeface="Ubuntu"/>
                 <a:sym typeface="Ubuntu"/>
@@ -7549,7 +6878,7 @@
             </a:r>
           </a:p>
           <a:p>
-            <a:pPr lvl="0" algn="ctr">
+            <a:pPr lvl="0">
               <a:buClr>
                 <a:srgbClr val="003565"/>
               </a:buClr>
@@ -7560,7 +6889,7 @@
                 <a:solidFill>
                   <a:srgbClr val="00B050"/>
                 </a:solidFill>
-                <a:latin typeface="Century Gothic" panose="020B0502020202020204" pitchFamily="34" charset="0"/>
+                <a:latin typeface="Atkinson Hyperlegible" pitchFamily="2" charset="0"/>
                 <a:ea typeface="Ubuntu"/>
                 <a:cs typeface="Ubuntu"/>
                 <a:sym typeface="Ubuntu"/>
@@ -7572,7 +6901,7 @@
                 <a:solidFill>
                   <a:srgbClr val="00B050"/>
                 </a:solidFill>
-                <a:latin typeface="Century Gothic" panose="020B0502020202020204" pitchFamily="34" charset="0"/>
+                <a:latin typeface="Atkinson Hyperlegible" pitchFamily="2" charset="0"/>
                 <a:ea typeface="Ubuntu"/>
                 <a:cs typeface="Ubuntu"/>
                 <a:sym typeface="Ubuntu"/>
@@ -7584,7 +6913,7 @@
                 <a:solidFill>
                   <a:srgbClr val="00B050"/>
                 </a:solidFill>
-                <a:latin typeface="Century Gothic" panose="020B0502020202020204" pitchFamily="34" charset="0"/>
+                <a:latin typeface="Atkinson Hyperlegible" pitchFamily="2" charset="0"/>
                 <a:ea typeface="Ubuntu"/>
                 <a:cs typeface="Ubuntu"/>
                 <a:sym typeface="Ubuntu"/>
@@ -7596,7 +6925,7 @@
                 <a:solidFill>
                   <a:srgbClr val="00B050"/>
                 </a:solidFill>
-                <a:latin typeface="Century Gothic" panose="020B0502020202020204" pitchFamily="34" charset="0"/>
+                <a:latin typeface="Atkinson Hyperlegible" pitchFamily="2" charset="0"/>
                 <a:ea typeface="Ubuntu"/>
                 <a:cs typeface="Ubuntu"/>
                 <a:sym typeface="Ubuntu"/>
@@ -7608,7 +6937,7 @@
                 <a:solidFill>
                   <a:srgbClr val="00B050"/>
                 </a:solidFill>
-                <a:latin typeface="Century Gothic" panose="020B0502020202020204" pitchFamily="34" charset="0"/>
+                <a:latin typeface="Atkinson Hyperlegible" pitchFamily="2" charset="0"/>
                 <a:ea typeface="Ubuntu"/>
                 <a:cs typeface="Ubuntu"/>
                 <a:sym typeface="Ubuntu"/>
@@ -7620,7 +6949,7 @@
                 <a:solidFill>
                   <a:srgbClr val="00B050"/>
                 </a:solidFill>
-                <a:latin typeface="Century Gothic" panose="020B0502020202020204" pitchFamily="34" charset="0"/>
+                <a:latin typeface="Atkinson Hyperlegible" pitchFamily="2" charset="0"/>
                 <a:ea typeface="Ubuntu"/>
                 <a:cs typeface="Ubuntu"/>
                 <a:sym typeface="Ubuntu"/>
@@ -7632,7 +6961,7 @@
                 <a:solidFill>
                   <a:srgbClr val="00B050"/>
                 </a:solidFill>
-                <a:latin typeface="Century Gothic" panose="020B0502020202020204" pitchFamily="34" charset="0"/>
+                <a:latin typeface="Atkinson Hyperlegible" pitchFamily="2" charset="0"/>
                 <a:ea typeface="Ubuntu"/>
                 <a:cs typeface="Ubuntu"/>
                 <a:sym typeface="Ubuntu"/>
@@ -7641,7 +6970,7 @@
             </a:r>
           </a:p>
           <a:p>
-            <a:pPr lvl="0" algn="ctr">
+            <a:pPr lvl="0">
               <a:buClr>
                 <a:srgbClr val="003565"/>
               </a:buClr>
@@ -7652,7 +6981,7 @@
                 <a:solidFill>
                   <a:srgbClr val="00B0F0"/>
                 </a:solidFill>
-                <a:latin typeface="Century Gothic" panose="020B0502020202020204" pitchFamily="34" charset="0"/>
+                <a:latin typeface="Atkinson Hyperlegible" pitchFamily="2" charset="0"/>
                 <a:ea typeface="Ubuntu"/>
                 <a:cs typeface="Ubuntu"/>
                 <a:sym typeface="Ubuntu"/>
@@ -7664,7 +6993,7 @@
                 <a:solidFill>
                   <a:srgbClr val="00B0F0"/>
                 </a:solidFill>
-                <a:latin typeface="Century Gothic" panose="020B0502020202020204" pitchFamily="34" charset="0"/>
+                <a:latin typeface="Atkinson Hyperlegible" pitchFamily="2" charset="0"/>
                 <a:ea typeface="Ubuntu"/>
                 <a:cs typeface="Ubuntu"/>
                 <a:sym typeface="Ubuntu"/>
@@ -7676,7 +7005,7 @@
                 <a:solidFill>
                   <a:srgbClr val="00B0F0"/>
                 </a:solidFill>
-                <a:latin typeface="Century Gothic" panose="020B0502020202020204" pitchFamily="34" charset="0"/>
+                <a:latin typeface="Atkinson Hyperlegible" pitchFamily="2" charset="0"/>
                 <a:ea typeface="Ubuntu"/>
                 <a:cs typeface="Ubuntu"/>
                 <a:sym typeface="Ubuntu"/>
@@ -7688,7 +7017,7 @@
                 <a:solidFill>
                   <a:srgbClr val="00B0F0"/>
                 </a:solidFill>
-                <a:latin typeface="Century Gothic" panose="020B0502020202020204" pitchFamily="34" charset="0"/>
+                <a:latin typeface="Atkinson Hyperlegible" pitchFamily="2" charset="0"/>
                 <a:ea typeface="Ubuntu"/>
                 <a:cs typeface="Ubuntu"/>
                 <a:sym typeface="Ubuntu"/>
@@ -7700,7 +7029,7 @@
                 <a:solidFill>
                   <a:srgbClr val="00B0F0"/>
                 </a:solidFill>
-                <a:latin typeface="Century Gothic" panose="020B0502020202020204" pitchFamily="34" charset="0"/>
+                <a:latin typeface="Atkinson Hyperlegible" pitchFamily="2" charset="0"/>
                 <a:ea typeface="Ubuntu"/>
                 <a:cs typeface="Ubuntu"/>
                 <a:sym typeface="Ubuntu"/>
@@ -7712,7 +7041,7 @@
                 <a:solidFill>
                   <a:srgbClr val="00B0F0"/>
                 </a:solidFill>
-                <a:latin typeface="Century Gothic" panose="020B0502020202020204" pitchFamily="34" charset="0"/>
+                <a:latin typeface="Atkinson Hyperlegible" pitchFamily="2" charset="0"/>
                 <a:ea typeface="Ubuntu"/>
                 <a:cs typeface="Ubuntu"/>
                 <a:sym typeface="Ubuntu"/>
@@ -7724,7 +7053,7 @@
                 <a:solidFill>
                   <a:srgbClr val="00B0F0"/>
                 </a:solidFill>
-                <a:latin typeface="Century Gothic" panose="020B0502020202020204" pitchFamily="34" charset="0"/>
+                <a:latin typeface="Atkinson Hyperlegible" pitchFamily="2" charset="0"/>
                 <a:ea typeface="Ubuntu"/>
                 <a:cs typeface="Ubuntu"/>
                 <a:sym typeface="Ubuntu"/>
@@ -7750,7 +7079,7 @@
 </p:sld>
 </file>
 
-<file path=ppt/slides/slide8.xml><?xml version="1.0" encoding="utf-8"?>
+<file path=ppt/slides/slide7.xml><?xml version="1.0" encoding="utf-8"?>
 <p:sld xmlns:a="http://schemas.openxmlformats.org/drawingml/2006/main" xmlns:r="http://schemas.openxmlformats.org/officeDocument/2006/relationships" xmlns:p="http://schemas.openxmlformats.org/presentationml/2006/main">
   <p:cSld>
     <p:spTree>
@@ -7799,7 +7128,9 @@
               <a:buNone/>
             </a:pPr>
             <a:r>
-              <a:rPr lang="en-GB" dirty="0"/>
+              <a:rPr lang="en-GB" dirty="0">
+                <a:latin typeface="Atkinson Hyperlegible" pitchFamily="2" charset="0"/>
+              </a:rPr>
               <a:t>Accelerometer</a:t>
             </a:r>
           </a:p>
@@ -7836,7 +7167,7 @@
           </a:bodyPr>
           <a:lstStyle/>
           <a:p>
-            <a:pPr lvl="0" algn="ctr">
+            <a:pPr lvl="0">
               <a:buClr>
                 <a:srgbClr val="003565"/>
               </a:buClr>
@@ -7847,7 +7178,7 @@
                 <a:solidFill>
                   <a:schemeClr val="tx1"/>
                 </a:solidFill>
-                <a:latin typeface="Century Gothic" panose="020B0502020202020204" pitchFamily="34" charset="0"/>
+                <a:latin typeface="Atkinson Hyperlegible" pitchFamily="2" charset="0"/>
                 <a:ea typeface="Ubuntu"/>
                 <a:cs typeface="Ubuntu"/>
                 <a:sym typeface="Ubuntu"/>
@@ -7888,7 +7219,7 @@
           </a:bodyPr>
           <a:lstStyle/>
           <a:p>
-            <a:pPr lvl="0" algn="ctr">
+            <a:pPr lvl="0">
               <a:buClr>
                 <a:srgbClr val="003565"/>
               </a:buClr>
@@ -7899,7 +7230,7 @@
                 <a:solidFill>
                   <a:schemeClr val="tx1"/>
                 </a:solidFill>
-                <a:latin typeface="Century Gothic" panose="020B0502020202020204" pitchFamily="34" charset="0"/>
+                <a:latin typeface="Atkinson Hyperlegible" pitchFamily="2" charset="0"/>
                 <a:ea typeface="Ubuntu"/>
                 <a:cs typeface="Ubuntu"/>
                 <a:sym typeface="Ubuntu"/>
@@ -7940,7 +7271,7 @@
           </a:bodyPr>
           <a:lstStyle/>
           <a:p>
-            <a:pPr lvl="0" algn="ctr">
+            <a:pPr lvl="0">
               <a:buClr>
                 <a:srgbClr val="003565"/>
               </a:buClr>
@@ -7950,7 +7281,7 @@
               <a:solidFill>
                 <a:schemeClr val="tx1"/>
               </a:solidFill>
-              <a:latin typeface="Century Gothic" panose="020B0502020202020204" pitchFamily="34" charset="0"/>
+              <a:latin typeface="Atkinson Hyperlegible" pitchFamily="2" charset="0"/>
               <a:ea typeface="Ubuntu"/>
               <a:cs typeface="Ubuntu"/>
               <a:sym typeface="Ubuntu"/>
@@ -7998,7 +7329,7 @@
 </p:sld>
 </file>
 
-<file path=ppt/slides/slide9.xml><?xml version="1.0" encoding="utf-8"?>
+<file path=ppt/slides/slide8.xml><?xml version="1.0" encoding="utf-8"?>
 <p:sld xmlns:a="http://schemas.openxmlformats.org/drawingml/2006/main" xmlns:r="http://schemas.openxmlformats.org/officeDocument/2006/relationships" xmlns:p="http://schemas.openxmlformats.org/presentationml/2006/main">
   <p:cSld>
     <p:spTree>
@@ -8047,7 +7378,9 @@
               <a:buNone/>
             </a:pPr>
             <a:r>
-              <a:rPr lang="en-GB" dirty="0"/>
+              <a:rPr lang="en-GB" dirty="0">
+                <a:latin typeface="Atkinson Hyperlegible" pitchFamily="2" charset="0"/>
+              </a:rPr>
               <a:t>Extension</a:t>
             </a:r>
           </a:p>
@@ -8084,7 +7417,7 @@
           </a:bodyPr>
           <a:lstStyle/>
           <a:p>
-            <a:pPr lvl="0" algn="ctr">
+            <a:pPr lvl="0">
               <a:buClr>
                 <a:srgbClr val="003565"/>
               </a:buClr>
@@ -8095,7 +7428,7 @@
                 <a:solidFill>
                   <a:schemeClr val="tx1"/>
                 </a:solidFill>
-                <a:latin typeface="Century Gothic" panose="020B0502020202020204" pitchFamily="34" charset="0"/>
+                <a:latin typeface="Atkinson Hyperlegible" pitchFamily="2" charset="0"/>
                 <a:ea typeface="Ubuntu"/>
                 <a:cs typeface="Ubuntu"/>
                 <a:sym typeface="Ubuntu"/>
@@ -8136,7 +7469,7 @@
           </a:bodyPr>
           <a:lstStyle/>
           <a:p>
-            <a:pPr lvl="0" algn="ctr">
+            <a:pPr lvl="0">
               <a:buClr>
                 <a:srgbClr val="003565"/>
               </a:buClr>
@@ -8147,7 +7480,7 @@
                 <a:solidFill>
                   <a:schemeClr val="tx1"/>
                 </a:solidFill>
-                <a:latin typeface="Century Gothic" panose="020B0502020202020204" pitchFamily="34" charset="0"/>
+                <a:latin typeface="Atkinson Hyperlegible" pitchFamily="2" charset="0"/>
                 <a:ea typeface="Ubuntu"/>
                 <a:cs typeface="Ubuntu"/>
                 <a:sym typeface="Ubuntu"/>
